--- a/计算方法/计算方法复习.pptx
+++ b/计算方法/计算方法复习.pptx
@@ -136,7 +136,7 @@
   </p:defaultTextStyle>
   <p:extLst>
     <p:ext uri="{EFAFB233-063F-42B5-8137-9DF3F51BA10A}">
-      <p15:sldGuideLst xmlns="" xmlns:p15="http://schemas.microsoft.com/office/powerpoint/2012/main">
+      <p15:sldGuideLst xmlns:p15="http://schemas.microsoft.com/office/powerpoint/2012/main">
         <p15:guide id="1" orient="horz" pos="2160">
           <p15:clr>
             <a:srgbClr val="A4A3A4"/>
@@ -236,7 +236,7 @@
             <a:fld id="{1DFDF8F6-F7DB-414E-AD85-58D0E37AB7BF}" type="datetimeFigureOut">
               <a:rPr lang="zh-CN" altLang="en-US" smtClean="0"/>
               <a:pPr/>
-              <a:t>2019/4/16</a:t>
+              <a:t>2021/5/10</a:t>
             </a:fld>
             <a:endParaRPr lang="zh-CN" altLang="en-US"/>
           </a:p>
@@ -302,38 +302,37 @@
           <a:p>
             <a:pPr lvl="0"/>
             <a:r>
-              <a:rPr lang="zh-CN" altLang="en-US" smtClean="0"/>
+              <a:rPr lang="zh-CN" altLang="en-US"/>
               <a:t>单击此处编辑母版文本样式</a:t>
             </a:r>
           </a:p>
           <a:p>
             <a:pPr lvl="1"/>
             <a:r>
-              <a:rPr lang="zh-CN" altLang="en-US" smtClean="0"/>
+              <a:rPr lang="zh-CN" altLang="en-US"/>
               <a:t>第二级</a:t>
             </a:r>
           </a:p>
           <a:p>
             <a:pPr lvl="2"/>
             <a:r>
-              <a:rPr lang="zh-CN" altLang="en-US" smtClean="0"/>
+              <a:rPr lang="zh-CN" altLang="en-US"/>
               <a:t>第三级</a:t>
             </a:r>
           </a:p>
           <a:p>
             <a:pPr lvl="3"/>
             <a:r>
-              <a:rPr lang="zh-CN" altLang="en-US" smtClean="0"/>
+              <a:rPr lang="zh-CN" altLang="en-US"/>
               <a:t>第四级</a:t>
             </a:r>
           </a:p>
           <a:p>
             <a:pPr lvl="4"/>
             <a:r>
-              <a:rPr lang="zh-CN" altLang="en-US" smtClean="0"/>
+              <a:rPr lang="zh-CN" altLang="en-US"/>
               <a:t>第五级</a:t>
             </a:r>
-            <a:endParaRPr lang="zh-CN" altLang="en-US"/>
           </a:p>
         </p:txBody>
       </p:sp>
@@ -407,7 +406,7 @@
     </p:spTree>
     <p:extLst>
       <p:ext uri="{BB962C8B-B14F-4D97-AF65-F5344CB8AC3E}">
-        <p14:creationId xmlns:p14="http://schemas.microsoft.com/office/powerpoint/2010/main" xmlns="" val="2091315100"/>
+        <p14:creationId xmlns:p14="http://schemas.microsoft.com/office/powerpoint/2010/main" val="2091315100"/>
       </p:ext>
     </p:extLst>
   </p:cSld>
@@ -582,7 +581,7 @@
     </p:spTree>
     <p:extLst>
       <p:ext uri="{BB962C8B-B14F-4D97-AF65-F5344CB8AC3E}">
-        <p14:creationId xmlns:p14="http://schemas.microsoft.com/office/powerpoint/2010/main" xmlns="" val="541845112"/>
+        <p14:creationId xmlns:p14="http://schemas.microsoft.com/office/powerpoint/2010/main" val="541845112"/>
       </p:ext>
     </p:extLst>
   </p:cSld>
@@ -630,10 +629,9 @@
           <a:lstStyle/>
           <a:p>
             <a:r>
-              <a:rPr lang="zh-CN" altLang="en-US" smtClean="0"/>
+              <a:rPr lang="zh-CN" altLang="en-US"/>
               <a:t>单击此处编辑母版标题样式</a:t>
             </a:r>
-            <a:endParaRPr lang="zh-CN" altLang="en-US"/>
           </a:p>
         </p:txBody>
       </p:sp>
@@ -749,10 +747,9 @@
           </a:lstStyle>
           <a:p>
             <a:r>
-              <a:rPr lang="zh-CN" altLang="en-US" smtClean="0"/>
+              <a:rPr lang="zh-CN" altLang="en-US"/>
               <a:t>单击此处编辑母版副标题样式</a:t>
             </a:r>
-            <a:endParaRPr lang="zh-CN" altLang="en-US"/>
           </a:p>
         </p:txBody>
       </p:sp>
@@ -774,7 +771,7 @@
             <a:fld id="{B9A17C2B-2767-4A44-AE27-E251DE4CBD7F}" type="datetimeFigureOut">
               <a:rPr lang="zh-CN" altLang="en-US" smtClean="0"/>
               <a:pPr/>
-              <a:t>2019/4/16</a:t>
+              <a:t>2021/5/10</a:t>
             </a:fld>
             <a:endParaRPr lang="zh-CN" altLang="en-US"/>
           </a:p>
@@ -864,10 +861,9 @@
           <a:lstStyle/>
           <a:p>
             <a:r>
-              <a:rPr lang="zh-CN" altLang="en-US" smtClean="0"/>
+              <a:rPr lang="zh-CN" altLang="en-US"/>
               <a:t>单击此处编辑母版标题样式</a:t>
             </a:r>
-            <a:endParaRPr lang="zh-CN" altLang="en-US"/>
           </a:p>
         </p:txBody>
       </p:sp>
@@ -888,38 +884,37 @@
           <a:p>
             <a:pPr lvl="0"/>
             <a:r>
-              <a:rPr lang="zh-CN" altLang="en-US" smtClean="0"/>
+              <a:rPr lang="zh-CN" altLang="en-US"/>
               <a:t>单击此处编辑母版文本样式</a:t>
             </a:r>
           </a:p>
           <a:p>
             <a:pPr lvl="1"/>
             <a:r>
-              <a:rPr lang="zh-CN" altLang="en-US" smtClean="0"/>
+              <a:rPr lang="zh-CN" altLang="en-US"/>
               <a:t>第二级</a:t>
             </a:r>
           </a:p>
           <a:p>
             <a:pPr lvl="2"/>
             <a:r>
-              <a:rPr lang="zh-CN" altLang="en-US" smtClean="0"/>
+              <a:rPr lang="zh-CN" altLang="en-US"/>
               <a:t>第三级</a:t>
             </a:r>
           </a:p>
           <a:p>
             <a:pPr lvl="3"/>
             <a:r>
-              <a:rPr lang="zh-CN" altLang="en-US" smtClean="0"/>
+              <a:rPr lang="zh-CN" altLang="en-US"/>
               <a:t>第四级</a:t>
             </a:r>
           </a:p>
           <a:p>
             <a:pPr lvl="4"/>
             <a:r>
-              <a:rPr lang="zh-CN" altLang="en-US" smtClean="0"/>
+              <a:rPr lang="zh-CN" altLang="en-US"/>
               <a:t>第五级</a:t>
             </a:r>
-            <a:endParaRPr lang="zh-CN" altLang="en-US"/>
           </a:p>
         </p:txBody>
       </p:sp>
@@ -941,7 +936,7 @@
             <a:fld id="{B9A17C2B-2767-4A44-AE27-E251DE4CBD7F}" type="datetimeFigureOut">
               <a:rPr lang="zh-CN" altLang="en-US" smtClean="0"/>
               <a:pPr/>
-              <a:t>2019/4/16</a:t>
+              <a:t>2021/5/10</a:t>
             </a:fld>
             <a:endParaRPr lang="zh-CN" altLang="en-US"/>
           </a:p>
@@ -1036,10 +1031,9 @@
           <a:lstStyle/>
           <a:p>
             <a:r>
-              <a:rPr lang="zh-CN" altLang="en-US" smtClean="0"/>
+              <a:rPr lang="zh-CN" altLang="en-US"/>
               <a:t>单击此处编辑母版标题样式</a:t>
             </a:r>
-            <a:endParaRPr lang="zh-CN" altLang="en-US"/>
           </a:p>
         </p:txBody>
       </p:sp>
@@ -1065,38 +1059,37 @@
           <a:p>
             <a:pPr lvl="0"/>
             <a:r>
-              <a:rPr lang="zh-CN" altLang="en-US" smtClean="0"/>
+              <a:rPr lang="zh-CN" altLang="en-US"/>
               <a:t>单击此处编辑母版文本样式</a:t>
             </a:r>
           </a:p>
           <a:p>
             <a:pPr lvl="1"/>
             <a:r>
-              <a:rPr lang="zh-CN" altLang="en-US" smtClean="0"/>
+              <a:rPr lang="zh-CN" altLang="en-US"/>
               <a:t>第二级</a:t>
             </a:r>
           </a:p>
           <a:p>
             <a:pPr lvl="2"/>
             <a:r>
-              <a:rPr lang="zh-CN" altLang="en-US" smtClean="0"/>
+              <a:rPr lang="zh-CN" altLang="en-US"/>
               <a:t>第三级</a:t>
             </a:r>
           </a:p>
           <a:p>
             <a:pPr lvl="3"/>
             <a:r>
-              <a:rPr lang="zh-CN" altLang="en-US" smtClean="0"/>
+              <a:rPr lang="zh-CN" altLang="en-US"/>
               <a:t>第四级</a:t>
             </a:r>
           </a:p>
           <a:p>
             <a:pPr lvl="4"/>
             <a:r>
-              <a:rPr lang="zh-CN" altLang="en-US" smtClean="0"/>
+              <a:rPr lang="zh-CN" altLang="en-US"/>
               <a:t>第五级</a:t>
             </a:r>
-            <a:endParaRPr lang="zh-CN" altLang="en-US"/>
           </a:p>
         </p:txBody>
       </p:sp>
@@ -1118,7 +1111,7 @@
             <a:fld id="{B9A17C2B-2767-4A44-AE27-E251DE4CBD7F}" type="datetimeFigureOut">
               <a:rPr lang="zh-CN" altLang="en-US" smtClean="0"/>
               <a:pPr/>
-              <a:t>2019/4/16</a:t>
+              <a:t>2021/5/10</a:t>
             </a:fld>
             <a:endParaRPr lang="zh-CN" altLang="en-US"/>
           </a:p>
@@ -1208,10 +1201,9 @@
           <a:lstStyle/>
           <a:p>
             <a:r>
-              <a:rPr lang="zh-CN" altLang="en-US" smtClean="0"/>
+              <a:rPr lang="zh-CN" altLang="en-US"/>
               <a:t>单击此处编辑母版标题样式</a:t>
             </a:r>
-            <a:endParaRPr lang="zh-CN" altLang="en-US"/>
           </a:p>
         </p:txBody>
       </p:sp>
@@ -1232,38 +1224,37 @@
           <a:p>
             <a:pPr lvl="0"/>
             <a:r>
-              <a:rPr lang="zh-CN" altLang="en-US" smtClean="0"/>
+              <a:rPr lang="zh-CN" altLang="en-US"/>
               <a:t>单击此处编辑母版文本样式</a:t>
             </a:r>
           </a:p>
           <a:p>
             <a:pPr lvl="1"/>
             <a:r>
-              <a:rPr lang="zh-CN" altLang="en-US" smtClean="0"/>
+              <a:rPr lang="zh-CN" altLang="en-US"/>
               <a:t>第二级</a:t>
             </a:r>
           </a:p>
           <a:p>
             <a:pPr lvl="2"/>
             <a:r>
-              <a:rPr lang="zh-CN" altLang="en-US" smtClean="0"/>
+              <a:rPr lang="zh-CN" altLang="en-US"/>
               <a:t>第三级</a:t>
             </a:r>
           </a:p>
           <a:p>
             <a:pPr lvl="3"/>
             <a:r>
-              <a:rPr lang="zh-CN" altLang="en-US" smtClean="0"/>
+              <a:rPr lang="zh-CN" altLang="en-US"/>
               <a:t>第四级</a:t>
             </a:r>
           </a:p>
           <a:p>
             <a:pPr lvl="4"/>
             <a:r>
-              <a:rPr lang="zh-CN" altLang="en-US" smtClean="0"/>
+              <a:rPr lang="zh-CN" altLang="en-US"/>
               <a:t>第五级</a:t>
             </a:r>
-            <a:endParaRPr lang="zh-CN" altLang="en-US"/>
           </a:p>
         </p:txBody>
       </p:sp>
@@ -1285,7 +1276,7 @@
             <a:fld id="{B9A17C2B-2767-4A44-AE27-E251DE4CBD7F}" type="datetimeFigureOut">
               <a:rPr lang="zh-CN" altLang="en-US" smtClean="0"/>
               <a:pPr/>
-              <a:t>2019/4/16</a:t>
+              <a:t>2021/5/10</a:t>
             </a:fld>
             <a:endParaRPr lang="zh-CN" altLang="en-US"/>
           </a:p>
@@ -1384,10 +1375,9 @@
           </a:lstStyle>
           <a:p>
             <a:r>
-              <a:rPr lang="zh-CN" altLang="en-US" smtClean="0"/>
+              <a:rPr lang="zh-CN" altLang="en-US"/>
               <a:t>单击此处编辑母版标题样式</a:t>
             </a:r>
-            <a:endParaRPr lang="zh-CN" altLang="en-US"/>
           </a:p>
         </p:txBody>
       </p:sp>
@@ -1504,7 +1494,7 @@
           <a:p>
             <a:pPr lvl="0"/>
             <a:r>
-              <a:rPr lang="zh-CN" altLang="en-US" smtClean="0"/>
+              <a:rPr lang="zh-CN" altLang="en-US"/>
               <a:t>单击此处编辑母版文本样式</a:t>
             </a:r>
           </a:p>
@@ -1528,7 +1518,7 @@
             <a:fld id="{B9A17C2B-2767-4A44-AE27-E251DE4CBD7F}" type="datetimeFigureOut">
               <a:rPr lang="zh-CN" altLang="en-US" smtClean="0"/>
               <a:pPr/>
-              <a:t>2019/4/16</a:t>
+              <a:t>2021/5/10</a:t>
             </a:fld>
             <a:endParaRPr lang="zh-CN" altLang="en-US"/>
           </a:p>
@@ -1618,10 +1608,9 @@
           <a:lstStyle/>
           <a:p>
             <a:r>
-              <a:rPr lang="zh-CN" altLang="en-US" smtClean="0"/>
+              <a:rPr lang="zh-CN" altLang="en-US"/>
               <a:t>单击此处编辑母版标题样式</a:t>
             </a:r>
-            <a:endParaRPr lang="zh-CN" altLang="en-US"/>
           </a:p>
         </p:txBody>
       </p:sp>
@@ -1675,38 +1664,37 @@
           <a:p>
             <a:pPr lvl="0"/>
             <a:r>
-              <a:rPr lang="zh-CN" altLang="en-US" smtClean="0"/>
+              <a:rPr lang="zh-CN" altLang="en-US"/>
               <a:t>单击此处编辑母版文本样式</a:t>
             </a:r>
           </a:p>
           <a:p>
             <a:pPr lvl="1"/>
             <a:r>
-              <a:rPr lang="zh-CN" altLang="en-US" smtClean="0"/>
+              <a:rPr lang="zh-CN" altLang="en-US"/>
               <a:t>第二级</a:t>
             </a:r>
           </a:p>
           <a:p>
             <a:pPr lvl="2"/>
             <a:r>
-              <a:rPr lang="zh-CN" altLang="en-US" smtClean="0"/>
+              <a:rPr lang="zh-CN" altLang="en-US"/>
               <a:t>第三级</a:t>
             </a:r>
           </a:p>
           <a:p>
             <a:pPr lvl="3"/>
             <a:r>
-              <a:rPr lang="zh-CN" altLang="en-US" smtClean="0"/>
+              <a:rPr lang="zh-CN" altLang="en-US"/>
               <a:t>第四级</a:t>
             </a:r>
           </a:p>
           <a:p>
             <a:pPr lvl="4"/>
             <a:r>
-              <a:rPr lang="zh-CN" altLang="en-US" smtClean="0"/>
+              <a:rPr lang="zh-CN" altLang="en-US"/>
               <a:t>第五级</a:t>
             </a:r>
-            <a:endParaRPr lang="zh-CN" altLang="en-US"/>
           </a:p>
         </p:txBody>
       </p:sp>
@@ -1760,38 +1748,37 @@
           <a:p>
             <a:pPr lvl="0"/>
             <a:r>
-              <a:rPr lang="zh-CN" altLang="en-US" smtClean="0"/>
+              <a:rPr lang="zh-CN" altLang="en-US"/>
               <a:t>单击此处编辑母版文本样式</a:t>
             </a:r>
           </a:p>
           <a:p>
             <a:pPr lvl="1"/>
             <a:r>
-              <a:rPr lang="zh-CN" altLang="en-US" smtClean="0"/>
+              <a:rPr lang="zh-CN" altLang="en-US"/>
               <a:t>第二级</a:t>
             </a:r>
           </a:p>
           <a:p>
             <a:pPr lvl="2"/>
             <a:r>
-              <a:rPr lang="zh-CN" altLang="en-US" smtClean="0"/>
+              <a:rPr lang="zh-CN" altLang="en-US"/>
               <a:t>第三级</a:t>
             </a:r>
           </a:p>
           <a:p>
             <a:pPr lvl="3"/>
             <a:r>
-              <a:rPr lang="zh-CN" altLang="en-US" smtClean="0"/>
+              <a:rPr lang="zh-CN" altLang="en-US"/>
               <a:t>第四级</a:t>
             </a:r>
           </a:p>
           <a:p>
             <a:pPr lvl="4"/>
             <a:r>
-              <a:rPr lang="zh-CN" altLang="en-US" smtClean="0"/>
+              <a:rPr lang="zh-CN" altLang="en-US"/>
               <a:t>第五级</a:t>
             </a:r>
-            <a:endParaRPr lang="zh-CN" altLang="en-US"/>
           </a:p>
         </p:txBody>
       </p:sp>
@@ -1813,7 +1800,7 @@
             <a:fld id="{B9A17C2B-2767-4A44-AE27-E251DE4CBD7F}" type="datetimeFigureOut">
               <a:rPr lang="zh-CN" altLang="en-US" smtClean="0"/>
               <a:pPr/>
-              <a:t>2019/4/16</a:t>
+              <a:t>2021/5/10</a:t>
             </a:fld>
             <a:endParaRPr lang="zh-CN" altLang="en-US"/>
           </a:p>
@@ -1907,10 +1894,9 @@
           </a:lstStyle>
           <a:p>
             <a:r>
-              <a:rPr lang="zh-CN" altLang="en-US" smtClean="0"/>
+              <a:rPr lang="zh-CN" altLang="en-US"/>
               <a:t>单击此处编辑母版标题样式</a:t>
             </a:r>
-            <a:endParaRPr lang="zh-CN" altLang="en-US"/>
           </a:p>
         </p:txBody>
       </p:sp>
@@ -1973,7 +1959,7 @@
           <a:p>
             <a:pPr lvl="0"/>
             <a:r>
-              <a:rPr lang="zh-CN" altLang="en-US" smtClean="0"/>
+              <a:rPr lang="zh-CN" altLang="en-US"/>
               <a:t>单击此处编辑母版文本样式</a:t>
             </a:r>
           </a:p>
@@ -2029,38 +2015,37 @@
           <a:p>
             <a:pPr lvl="0"/>
             <a:r>
-              <a:rPr lang="zh-CN" altLang="en-US" smtClean="0"/>
+              <a:rPr lang="zh-CN" altLang="en-US"/>
               <a:t>单击此处编辑母版文本样式</a:t>
             </a:r>
           </a:p>
           <a:p>
             <a:pPr lvl="1"/>
             <a:r>
-              <a:rPr lang="zh-CN" altLang="en-US" smtClean="0"/>
+              <a:rPr lang="zh-CN" altLang="en-US"/>
               <a:t>第二级</a:t>
             </a:r>
           </a:p>
           <a:p>
             <a:pPr lvl="2"/>
             <a:r>
-              <a:rPr lang="zh-CN" altLang="en-US" smtClean="0"/>
+              <a:rPr lang="zh-CN" altLang="en-US"/>
               <a:t>第三级</a:t>
             </a:r>
           </a:p>
           <a:p>
             <a:pPr lvl="3"/>
             <a:r>
-              <a:rPr lang="zh-CN" altLang="en-US" smtClean="0"/>
+              <a:rPr lang="zh-CN" altLang="en-US"/>
               <a:t>第四级</a:t>
             </a:r>
           </a:p>
           <a:p>
             <a:pPr lvl="4"/>
             <a:r>
-              <a:rPr lang="zh-CN" altLang="en-US" smtClean="0"/>
+              <a:rPr lang="zh-CN" altLang="en-US"/>
               <a:t>第五级</a:t>
             </a:r>
-            <a:endParaRPr lang="zh-CN" altLang="en-US"/>
           </a:p>
         </p:txBody>
       </p:sp>
@@ -2123,7 +2108,7 @@
           <a:p>
             <a:pPr lvl="0"/>
             <a:r>
-              <a:rPr lang="zh-CN" altLang="en-US" smtClean="0"/>
+              <a:rPr lang="zh-CN" altLang="en-US"/>
               <a:t>单击此处编辑母版文本样式</a:t>
             </a:r>
           </a:p>
@@ -2179,38 +2164,37 @@
           <a:p>
             <a:pPr lvl="0"/>
             <a:r>
-              <a:rPr lang="zh-CN" altLang="en-US" smtClean="0"/>
+              <a:rPr lang="zh-CN" altLang="en-US"/>
               <a:t>单击此处编辑母版文本样式</a:t>
             </a:r>
           </a:p>
           <a:p>
             <a:pPr lvl="1"/>
             <a:r>
-              <a:rPr lang="zh-CN" altLang="en-US" smtClean="0"/>
+              <a:rPr lang="zh-CN" altLang="en-US"/>
               <a:t>第二级</a:t>
             </a:r>
           </a:p>
           <a:p>
             <a:pPr lvl="2"/>
             <a:r>
-              <a:rPr lang="zh-CN" altLang="en-US" smtClean="0"/>
+              <a:rPr lang="zh-CN" altLang="en-US"/>
               <a:t>第三级</a:t>
             </a:r>
           </a:p>
           <a:p>
             <a:pPr lvl="3"/>
             <a:r>
-              <a:rPr lang="zh-CN" altLang="en-US" smtClean="0"/>
+              <a:rPr lang="zh-CN" altLang="en-US"/>
               <a:t>第四级</a:t>
             </a:r>
           </a:p>
           <a:p>
             <a:pPr lvl="4"/>
             <a:r>
-              <a:rPr lang="zh-CN" altLang="en-US" smtClean="0"/>
+              <a:rPr lang="zh-CN" altLang="en-US"/>
               <a:t>第五级</a:t>
             </a:r>
-            <a:endParaRPr lang="zh-CN" altLang="en-US"/>
           </a:p>
         </p:txBody>
       </p:sp>
@@ -2232,7 +2216,7 @@
             <a:fld id="{B9A17C2B-2767-4A44-AE27-E251DE4CBD7F}" type="datetimeFigureOut">
               <a:rPr lang="zh-CN" altLang="en-US" smtClean="0"/>
               <a:pPr/>
-              <a:t>2019/4/16</a:t>
+              <a:t>2021/5/10</a:t>
             </a:fld>
             <a:endParaRPr lang="zh-CN" altLang="en-US"/>
           </a:p>
@@ -2322,10 +2306,9 @@
           <a:lstStyle/>
           <a:p>
             <a:r>
-              <a:rPr lang="zh-CN" altLang="en-US" smtClean="0"/>
+              <a:rPr lang="zh-CN" altLang="en-US"/>
               <a:t>单击此处编辑母版标题样式</a:t>
             </a:r>
-            <a:endParaRPr lang="zh-CN" altLang="en-US"/>
           </a:p>
         </p:txBody>
       </p:sp>
@@ -2347,7 +2330,7 @@
             <a:fld id="{B9A17C2B-2767-4A44-AE27-E251DE4CBD7F}" type="datetimeFigureOut">
               <a:rPr lang="zh-CN" altLang="en-US" smtClean="0"/>
               <a:pPr/>
-              <a:t>2019/4/16</a:t>
+              <a:t>2021/5/10</a:t>
             </a:fld>
             <a:endParaRPr lang="zh-CN" altLang="en-US"/>
           </a:p>
@@ -2439,7 +2422,7 @@
             <a:fld id="{B9A17C2B-2767-4A44-AE27-E251DE4CBD7F}" type="datetimeFigureOut">
               <a:rPr lang="zh-CN" altLang="en-US" smtClean="0"/>
               <a:pPr/>
-              <a:t>2019/4/16</a:t>
+              <a:t>2021/5/10</a:t>
             </a:fld>
             <a:endParaRPr lang="zh-CN" altLang="en-US"/>
           </a:p>
@@ -2538,10 +2521,9 @@
           </a:lstStyle>
           <a:p>
             <a:r>
-              <a:rPr lang="zh-CN" altLang="en-US" smtClean="0"/>
+              <a:rPr lang="zh-CN" altLang="en-US"/>
               <a:t>单击此处编辑母版标题样式</a:t>
             </a:r>
-            <a:endParaRPr lang="zh-CN" altLang="en-US"/>
           </a:p>
         </p:txBody>
       </p:sp>
@@ -2595,38 +2577,37 @@
           <a:p>
             <a:pPr lvl="0"/>
             <a:r>
-              <a:rPr lang="zh-CN" altLang="en-US" smtClean="0"/>
+              <a:rPr lang="zh-CN" altLang="en-US"/>
               <a:t>单击此处编辑母版文本样式</a:t>
             </a:r>
           </a:p>
           <a:p>
             <a:pPr lvl="1"/>
             <a:r>
-              <a:rPr lang="zh-CN" altLang="en-US" smtClean="0"/>
+              <a:rPr lang="zh-CN" altLang="en-US"/>
               <a:t>第二级</a:t>
             </a:r>
           </a:p>
           <a:p>
             <a:pPr lvl="2"/>
             <a:r>
-              <a:rPr lang="zh-CN" altLang="en-US" smtClean="0"/>
+              <a:rPr lang="zh-CN" altLang="en-US"/>
               <a:t>第三级</a:t>
             </a:r>
           </a:p>
           <a:p>
             <a:pPr lvl="3"/>
             <a:r>
-              <a:rPr lang="zh-CN" altLang="en-US" smtClean="0"/>
+              <a:rPr lang="zh-CN" altLang="en-US"/>
               <a:t>第四级</a:t>
             </a:r>
           </a:p>
           <a:p>
             <a:pPr lvl="4"/>
             <a:r>
-              <a:rPr lang="zh-CN" altLang="en-US" smtClean="0"/>
+              <a:rPr lang="zh-CN" altLang="en-US"/>
               <a:t>第五级</a:t>
             </a:r>
-            <a:endParaRPr lang="zh-CN" altLang="en-US"/>
           </a:p>
         </p:txBody>
       </p:sp>
@@ -2689,7 +2670,7 @@
           <a:p>
             <a:pPr lvl="0"/>
             <a:r>
-              <a:rPr lang="zh-CN" altLang="en-US" smtClean="0"/>
+              <a:rPr lang="zh-CN" altLang="en-US"/>
               <a:t>单击此处编辑母版文本样式</a:t>
             </a:r>
           </a:p>
@@ -2713,7 +2694,7 @@
             <a:fld id="{B9A17C2B-2767-4A44-AE27-E251DE4CBD7F}" type="datetimeFigureOut">
               <a:rPr lang="zh-CN" altLang="en-US" smtClean="0"/>
               <a:pPr/>
-              <a:t>2019/4/16</a:t>
+              <a:t>2021/5/10</a:t>
             </a:fld>
             <a:endParaRPr lang="zh-CN" altLang="en-US"/>
           </a:p>
@@ -2812,10 +2793,9 @@
           </a:lstStyle>
           <a:p>
             <a:r>
-              <a:rPr lang="zh-CN" altLang="en-US" smtClean="0"/>
+              <a:rPr lang="zh-CN" altLang="en-US"/>
               <a:t>单击此处编辑母版标题样式</a:t>
             </a:r>
-            <a:endParaRPr lang="zh-CN" altLang="en-US"/>
           </a:p>
         </p:txBody>
       </p:sp>
@@ -2939,7 +2919,7 @@
           <a:p>
             <a:pPr lvl="0"/>
             <a:r>
-              <a:rPr lang="zh-CN" altLang="en-US" smtClean="0"/>
+              <a:rPr lang="zh-CN" altLang="en-US"/>
               <a:t>单击此处编辑母版文本样式</a:t>
             </a:r>
           </a:p>
@@ -2963,7 +2943,7 @@
             <a:fld id="{B9A17C2B-2767-4A44-AE27-E251DE4CBD7F}" type="datetimeFigureOut">
               <a:rPr lang="zh-CN" altLang="en-US" smtClean="0"/>
               <a:pPr/>
-              <a:t>2019/4/16</a:t>
+              <a:t>2021/5/10</a:t>
             </a:fld>
             <a:endParaRPr lang="zh-CN" altLang="en-US"/>
           </a:p>
@@ -3068,10 +3048,9 @@
           <a:lstStyle/>
           <a:p>
             <a:r>
-              <a:rPr lang="zh-CN" altLang="en-US" smtClean="0"/>
+              <a:rPr lang="zh-CN" altLang="en-US"/>
               <a:t>单击此处编辑母版标题样式</a:t>
             </a:r>
-            <a:endParaRPr lang="zh-CN" altLang="en-US"/>
           </a:p>
         </p:txBody>
       </p:sp>
@@ -3102,38 +3081,37 @@
           <a:p>
             <a:pPr lvl="0"/>
             <a:r>
-              <a:rPr lang="zh-CN" altLang="en-US" smtClean="0"/>
+              <a:rPr lang="zh-CN" altLang="en-US"/>
               <a:t>单击此处编辑母版文本样式</a:t>
             </a:r>
           </a:p>
           <a:p>
             <a:pPr lvl="1"/>
             <a:r>
-              <a:rPr lang="zh-CN" altLang="en-US" smtClean="0"/>
+              <a:rPr lang="zh-CN" altLang="en-US"/>
               <a:t>第二级</a:t>
             </a:r>
           </a:p>
           <a:p>
             <a:pPr lvl="2"/>
             <a:r>
-              <a:rPr lang="zh-CN" altLang="en-US" smtClean="0"/>
+              <a:rPr lang="zh-CN" altLang="en-US"/>
               <a:t>第三级</a:t>
             </a:r>
           </a:p>
           <a:p>
             <a:pPr lvl="3"/>
             <a:r>
-              <a:rPr lang="zh-CN" altLang="en-US" smtClean="0"/>
+              <a:rPr lang="zh-CN" altLang="en-US"/>
               <a:t>第四级</a:t>
             </a:r>
           </a:p>
           <a:p>
             <a:pPr lvl="4"/>
             <a:r>
-              <a:rPr lang="zh-CN" altLang="en-US" smtClean="0"/>
+              <a:rPr lang="zh-CN" altLang="en-US"/>
               <a:t>第五级</a:t>
             </a:r>
-            <a:endParaRPr lang="zh-CN" altLang="en-US"/>
           </a:p>
         </p:txBody>
       </p:sp>
@@ -3173,7 +3151,7 @@
             <a:fld id="{B9A17C2B-2767-4A44-AE27-E251DE4CBD7F}" type="datetimeFigureOut">
               <a:rPr lang="zh-CN" altLang="en-US" smtClean="0"/>
               <a:pPr/>
-              <a:t>2019/4/16</a:t>
+              <a:t>2021/5/10</a:t>
             </a:fld>
             <a:endParaRPr lang="zh-CN" altLang="en-US"/>
           </a:p>
@@ -3605,7 +3583,7 @@
               </a:lnSpc>
             </a:pPr>
             <a:r>
-              <a:rPr lang="zh-CN" altLang="en-US" sz="6600" b="1" dirty="0" smtClean="0">
+              <a:rPr lang="zh-CN" altLang="en-US" sz="6600" b="1" dirty="0">
                 <a:solidFill>
                   <a:srgbClr val="002060"/>
                 </a:solidFill>
@@ -3615,14 +3593,6 @@
               </a:rPr>
               <a:t>计算方法总复习</a:t>
             </a:r>
-            <a:endParaRPr lang="zh-CN" altLang="en-US" sz="6600" b="1" dirty="0">
-              <a:solidFill>
-                <a:srgbClr val="002060"/>
-              </a:solidFill>
-              <a:latin typeface="微软雅黑" pitchFamily="34" charset="-122"/>
-              <a:ea typeface="微软雅黑" pitchFamily="34" charset="-122"/>
-              <a:sym typeface="Times New Roman" pitchFamily="18" charset="0"/>
-            </a:endParaRPr>
           </a:p>
         </p:txBody>
       </p:sp>
@@ -3668,7 +3638,7 @@
               <a:defRPr/>
             </a:pPr>
             <a:r>
-              <a:rPr kumimoji="0" lang="zh-CN" altLang="en-US" sz="4000" b="1" i="0" u="none" strike="noStrike" kern="1200" cap="none" spc="0" normalizeH="0" baseline="0" noProof="0" dirty="0" smtClean="0">
+              <a:rPr kumimoji="0" lang="zh-CN" altLang="en-US" sz="4000" b="1" i="0" u="none" strike="noStrike" kern="1200" cap="none" spc="0" normalizeH="0" baseline="0" noProof="0" dirty="0">
                 <a:ln>
                   <a:noFill/>
                 </a:ln>
@@ -3685,21 +3655,6 @@
               </a:rPr>
               <a:t>主讲：佘红伟</a:t>
             </a:r>
-            <a:endParaRPr kumimoji="0" lang="zh-CN" altLang="en-US" sz="4000" b="1" i="0" u="none" strike="noStrike" kern="1200" cap="none" spc="0" normalizeH="0" baseline="0" noProof="0" dirty="0">
-              <a:ln>
-                <a:noFill/>
-              </a:ln>
-              <a:solidFill>
-                <a:srgbClr val="002060"/>
-              </a:solidFill>
-              <a:effectLst/>
-              <a:uLnTx/>
-              <a:uFillTx/>
-              <a:latin typeface="微软雅黑" pitchFamily="34" charset="-122"/>
-              <a:ea typeface="微软雅黑" pitchFamily="34" charset="-122"/>
-              <a:cs typeface="+mj-cs"/>
-              <a:sym typeface="Times New Roman" pitchFamily="18" charset="0"/>
-            </a:endParaRPr>
           </a:p>
         </p:txBody>
       </p:sp>
@@ -3708,13 +3663,6 @@
   <p:clrMapOvr>
     <a:masterClrMapping/>
   </p:clrMapOvr>
-  <p:timing>
-    <p:tnLst>
-      <p:par>
-        <p:cTn id="1" dur="indefinite" restart="never" nodeType="tmRoot"/>
-      </p:par>
-    </p:tnLst>
-  </p:timing>
 </p:sld>
 </file>
 
@@ -3765,7 +3713,7 @@
               <a:buNone/>
             </a:pPr>
             <a:r>
-              <a:rPr lang="zh-CN" altLang="en-US" sz="2800" b="1" dirty="0" smtClean="0">
+              <a:rPr lang="zh-CN" altLang="en-US" sz="2800" b="1" dirty="0">
                 <a:solidFill>
                   <a:srgbClr val="002060"/>
                 </a:solidFill>
@@ -3774,7 +3722,7 @@
               <a:t>三 </a:t>
             </a:r>
             <a:r>
-              <a:rPr lang="zh-CN" altLang="zh-CN" sz="2800" b="1" dirty="0" smtClean="0">
+              <a:rPr lang="zh-CN" altLang="zh-CN" sz="2800" b="1" dirty="0">
                 <a:solidFill>
                   <a:srgbClr val="002060"/>
                 </a:solidFill>
@@ -3782,7 +3730,7 @@
               </a:rPr>
               <a:t>典型例题</a:t>
             </a:r>
-            <a:endParaRPr lang="en-US" altLang="zh-CN" sz="2800" b="1" dirty="0" smtClean="0">
+            <a:endParaRPr lang="en-US" altLang="zh-CN" sz="2800" b="1" dirty="0">
               <a:solidFill>
                 <a:srgbClr val="002060"/>
               </a:solidFill>
@@ -4122,7 +4070,7 @@
               <a:buNone/>
             </a:pPr>
             <a:r>
-              <a:rPr lang="zh-CN" altLang="en-US" sz="2800" b="1" dirty="0" smtClean="0">
+              <a:rPr lang="zh-CN" altLang="en-US" sz="2800" b="1" dirty="0">
                 <a:solidFill>
                   <a:srgbClr val="002060"/>
                 </a:solidFill>
@@ -4131,7 +4079,7 @@
               <a:t>三 </a:t>
             </a:r>
             <a:r>
-              <a:rPr lang="zh-CN" altLang="zh-CN" sz="2800" b="1" dirty="0" smtClean="0">
+              <a:rPr lang="zh-CN" altLang="zh-CN" sz="2800" b="1" dirty="0">
                 <a:solidFill>
                   <a:srgbClr val="002060"/>
                 </a:solidFill>
@@ -4139,7 +4087,7 @@
               </a:rPr>
               <a:t>典型例题</a:t>
             </a:r>
-            <a:endParaRPr lang="en-US" altLang="zh-CN" sz="2800" b="1" dirty="0" smtClean="0">
+            <a:endParaRPr lang="en-US" altLang="zh-CN" sz="2800" b="1" dirty="0">
               <a:solidFill>
                 <a:srgbClr val="002060"/>
               </a:solidFill>
@@ -4273,7 +4221,7 @@
         </p:blipFill>
         <p:spPr bwMode="auto">
           <a:xfrm>
-            <a:off x="107503" y="3068960"/>
+            <a:off x="240722" y="3298676"/>
             <a:ext cx="8649073" cy="2304256"/>
           </a:xfrm>
           <a:prstGeom prst="rect">
@@ -4479,17 +4427,17 @@
               <a:buNone/>
             </a:pPr>
             <a:r>
-              <a:rPr lang="zh-CN" altLang="en-US" sz="3600" b="1" dirty="0" smtClean="0">
+              <a:rPr lang="zh-CN" altLang="en-US" sz="3600" b="1" dirty="0">
                 <a:latin typeface="楷体_GB2312" pitchFamily="49" charset="-122"/>
                 <a:ea typeface="楷体_GB2312" pitchFamily="49" charset="-122"/>
               </a:rPr>
               <a:t>第四章   </a:t>
             </a:r>
             <a:r>
-              <a:rPr lang="zh-CN" altLang="zh-CN" sz="3600" b="1" dirty="0" smtClean="0"/>
+              <a:rPr lang="zh-CN" altLang="zh-CN" sz="3600" b="1" dirty="0"/>
               <a:t>函数插值</a:t>
             </a:r>
-            <a:endParaRPr lang="en-US" altLang="zh-CN" sz="3600" b="1" dirty="0" smtClean="0">
+            <a:endParaRPr lang="en-US" altLang="zh-CN" sz="3600" b="1" dirty="0">
               <a:latin typeface="楷体_GB2312" pitchFamily="49" charset="-122"/>
               <a:ea typeface="楷体_GB2312" pitchFamily="49" charset="-122"/>
             </a:endParaRPr>
@@ -4506,7 +4454,7 @@
               <a:buNone/>
             </a:pPr>
             <a:r>
-              <a:rPr lang="zh-CN" altLang="en-US" sz="2800" b="1" dirty="0" smtClean="0">
+              <a:rPr lang="zh-CN" altLang="en-US" sz="2800" b="1" dirty="0">
                 <a:solidFill>
                   <a:srgbClr val="002060"/>
                 </a:solidFill>
@@ -4515,7 +4463,7 @@
               </a:rPr>
               <a:t>一 本章知识点</a:t>
             </a:r>
-            <a:endParaRPr lang="en-US" altLang="zh-CN" sz="2800" b="1" dirty="0" smtClean="0">
+            <a:endParaRPr lang="en-US" altLang="zh-CN" sz="2800" b="1" dirty="0">
               <a:solidFill>
                 <a:srgbClr val="002060"/>
               </a:solidFill>
@@ -4525,48 +4473,47 @@
           </a:p>
           <a:p>
             <a:r>
-              <a:rPr lang="zh-CN" altLang="zh-CN" sz="2800" dirty="0" smtClean="0"/>
+              <a:rPr lang="zh-CN" altLang="zh-CN" sz="2800" dirty="0"/>
               <a:t>插值的基本思想，基本概念，插值多项式的存在唯一性，插值余项；</a:t>
             </a:r>
           </a:p>
           <a:p>
             <a:r>
-              <a:rPr lang="zh-CN" altLang="zh-CN" sz="2800" dirty="0" smtClean="0"/>
+              <a:rPr lang="zh-CN" altLang="zh-CN" sz="2800" dirty="0"/>
               <a:t>拉格朗日插值基函数，拉格朗日插值多项式构造、插值余项；</a:t>
             </a:r>
           </a:p>
           <a:p>
             <a:r>
-              <a:rPr lang="zh-CN" altLang="zh-CN" sz="2800" dirty="0" smtClean="0"/>
+              <a:rPr lang="zh-CN" altLang="zh-CN" sz="2800" dirty="0"/>
               <a:t>差商的定义及性质，牛顿插值多项式的构造、插值余项；差分的定义及性质，等距节点的牛顿插值多项式构造；</a:t>
             </a:r>
           </a:p>
           <a:p>
             <a:r>
-              <a:rPr lang="zh-CN" altLang="zh-CN" sz="2800" dirty="0" smtClean="0"/>
+              <a:rPr lang="zh-CN" altLang="zh-CN" sz="2800" dirty="0"/>
               <a:t>埃尔米特插值（带导数的差值问题</a:t>
             </a:r>
             <a:r>
-              <a:rPr lang="en-US" altLang="zh-CN" sz="2800" dirty="0" smtClean="0"/>
+              <a:rPr lang="en-US" altLang="zh-CN" sz="2800" dirty="0"/>
               <a:t>)</a:t>
             </a:r>
             <a:r>
-              <a:rPr lang="zh-CN" altLang="zh-CN" sz="2800" dirty="0" smtClean="0"/>
+              <a:rPr lang="zh-CN" altLang="zh-CN" sz="2800" dirty="0"/>
               <a:t>多项式的构造，差值余项；</a:t>
             </a:r>
           </a:p>
           <a:p>
             <a:r>
-              <a:rPr lang="zh-CN" altLang="zh-CN" sz="2800" dirty="0" smtClean="0"/>
+              <a:rPr lang="zh-CN" altLang="zh-CN" sz="2800" dirty="0"/>
               <a:t>分段插值；</a:t>
             </a:r>
           </a:p>
           <a:p>
             <a:r>
-              <a:rPr lang="zh-CN" altLang="zh-CN" sz="2800" dirty="0" smtClean="0"/>
+              <a:rPr lang="zh-CN" altLang="zh-CN" sz="2800" dirty="0"/>
               <a:t>三次样条插值（了解）。</a:t>
             </a:r>
-            <a:endParaRPr lang="zh-CN" altLang="zh-CN" sz="2800" dirty="0"/>
           </a:p>
         </p:txBody>
       </p:sp>
@@ -4949,7 +4896,7 @@
               <a:buNone/>
             </a:pPr>
             <a:r>
-              <a:rPr lang="zh-CN" altLang="en-US" sz="2800" b="1" dirty="0" smtClean="0">
+              <a:rPr lang="zh-CN" altLang="en-US" sz="2800" b="1" dirty="0">
                 <a:solidFill>
                   <a:srgbClr val="002060"/>
                 </a:solidFill>
@@ -4959,7 +4906,7 @@
               <a:t>二  本章</a:t>
             </a:r>
             <a:r>
-              <a:rPr lang="zh-CN" altLang="zh-CN" sz="2800" b="1" dirty="0" smtClean="0">
+              <a:rPr lang="zh-CN" altLang="zh-CN" sz="2800" b="1" dirty="0">
                 <a:solidFill>
                   <a:srgbClr val="002060"/>
                 </a:solidFill>
@@ -4968,7 +4915,7 @@
               </a:rPr>
               <a:t>知识结构图</a:t>
             </a:r>
-            <a:endParaRPr lang="en-US" altLang="zh-CN" sz="2800" b="1" dirty="0" smtClean="0">
+            <a:endParaRPr lang="en-US" altLang="zh-CN" sz="2800" b="1" dirty="0">
               <a:solidFill>
                 <a:srgbClr val="002060"/>
               </a:solidFill>
@@ -5129,13 +5076,6 @@
   <p:clrMapOvr>
     <a:masterClrMapping/>
   </p:clrMapOvr>
-  <p:timing>
-    <p:tnLst>
-      <p:par>
-        <p:cTn id="1" dur="indefinite" restart="never" nodeType="tmRoot"/>
-      </p:par>
-    </p:tnLst>
-  </p:timing>
 </p:sld>
 </file>
 
@@ -5186,7 +5126,7 @@
               <a:buNone/>
             </a:pPr>
             <a:r>
-              <a:rPr lang="zh-CN" altLang="en-US" sz="2800" b="1" dirty="0" smtClean="0">
+              <a:rPr lang="zh-CN" altLang="en-US" sz="2800" b="1" dirty="0">
                 <a:solidFill>
                   <a:srgbClr val="002060"/>
                 </a:solidFill>
@@ -5195,7 +5135,7 @@
               <a:t>三 </a:t>
             </a:r>
             <a:r>
-              <a:rPr lang="zh-CN" altLang="zh-CN" sz="2800" b="1" dirty="0" smtClean="0">
+              <a:rPr lang="zh-CN" altLang="zh-CN" sz="2800" b="1" dirty="0">
                 <a:solidFill>
                   <a:srgbClr val="002060"/>
                 </a:solidFill>
@@ -5203,7 +5143,7 @@
               </a:rPr>
               <a:t>典型例题</a:t>
             </a:r>
-            <a:endParaRPr lang="en-US" altLang="zh-CN" sz="2800" b="1" dirty="0" smtClean="0">
+            <a:endParaRPr lang="en-US" altLang="zh-CN" sz="2800" b="1" dirty="0">
               <a:solidFill>
                 <a:srgbClr val="002060"/>
               </a:solidFill>
@@ -5681,7 +5621,7 @@
               <a:buNone/>
             </a:pPr>
             <a:r>
-              <a:rPr lang="zh-CN" altLang="en-US" sz="2800" b="1" dirty="0" smtClean="0">
+              <a:rPr lang="zh-CN" altLang="en-US" sz="2800" b="1" dirty="0">
                 <a:solidFill>
                   <a:srgbClr val="002060"/>
                 </a:solidFill>
@@ -5690,7 +5630,7 @@
               <a:t>三 </a:t>
             </a:r>
             <a:r>
-              <a:rPr lang="zh-CN" altLang="zh-CN" sz="2800" b="1" dirty="0" smtClean="0">
+              <a:rPr lang="zh-CN" altLang="zh-CN" sz="2800" b="1" dirty="0">
                 <a:solidFill>
                   <a:srgbClr val="002060"/>
                 </a:solidFill>
@@ -5698,7 +5638,7 @@
               </a:rPr>
               <a:t>典型例题</a:t>
             </a:r>
-            <a:endParaRPr lang="en-US" altLang="zh-CN" sz="2800" b="1" dirty="0" smtClean="0">
+            <a:endParaRPr lang="en-US" altLang="zh-CN" sz="2800" b="1" dirty="0">
               <a:solidFill>
                 <a:srgbClr val="002060"/>
               </a:solidFill>
@@ -6038,17 +5978,17 @@
               <a:buNone/>
             </a:pPr>
             <a:r>
-              <a:rPr lang="zh-CN" altLang="en-US" sz="3600" b="1" dirty="0" smtClean="0">
+              <a:rPr lang="zh-CN" altLang="en-US" sz="3600" b="1" dirty="0">
                 <a:latin typeface="楷体_GB2312" pitchFamily="49" charset="-122"/>
                 <a:ea typeface="楷体_GB2312" pitchFamily="49" charset="-122"/>
               </a:rPr>
               <a:t>第五章  </a:t>
             </a:r>
             <a:r>
-              <a:rPr lang="zh-CN" altLang="zh-CN" sz="3600" b="1" dirty="0" smtClean="0"/>
+              <a:rPr lang="zh-CN" altLang="zh-CN" sz="3600" b="1" dirty="0"/>
               <a:t>曲线拟合的最小二乘法</a:t>
             </a:r>
-            <a:endParaRPr lang="en-US" altLang="zh-CN" sz="3600" b="1" dirty="0" smtClean="0">
+            <a:endParaRPr lang="en-US" altLang="zh-CN" sz="3600" b="1" dirty="0">
               <a:latin typeface="楷体_GB2312" pitchFamily="49" charset="-122"/>
               <a:ea typeface="楷体_GB2312" pitchFamily="49" charset="-122"/>
             </a:endParaRPr>
@@ -6065,7 +6005,7 @@
               <a:buNone/>
             </a:pPr>
             <a:r>
-              <a:rPr lang="zh-CN" altLang="en-US" sz="2800" b="1" dirty="0" smtClean="0">
+              <a:rPr lang="zh-CN" altLang="en-US" sz="2800" b="1" dirty="0">
                 <a:solidFill>
                   <a:srgbClr val="002060"/>
                 </a:solidFill>
@@ -6074,7 +6014,7 @@
               </a:rPr>
               <a:t>一 本章知识点</a:t>
             </a:r>
-            <a:endParaRPr lang="en-US" altLang="zh-CN" sz="2800" b="1" dirty="0" smtClean="0">
+            <a:endParaRPr lang="en-US" altLang="zh-CN" sz="2800" b="1" dirty="0">
               <a:solidFill>
                 <a:srgbClr val="002060"/>
               </a:solidFill>
@@ -6089,7 +6029,7 @@
               </a:lnSpc>
             </a:pPr>
             <a:r>
-              <a:rPr lang="zh-CN" altLang="zh-CN" sz="2800" dirty="0" smtClean="0"/>
+              <a:rPr lang="zh-CN" altLang="zh-CN" sz="2800" dirty="0"/>
               <a:t>矛盾方程组的基本含义，用最小二乘法求解矛盾方程组的基本原理及过程；</a:t>
             </a:r>
           </a:p>
@@ -6100,7 +6040,7 @@
               </a:lnSpc>
             </a:pPr>
             <a:r>
-              <a:rPr lang="zh-CN" altLang="zh-CN" sz="2800" dirty="0" smtClean="0"/>
+              <a:rPr lang="zh-CN" altLang="zh-CN" sz="2800" dirty="0"/>
               <a:t>用最小二乘法进行曲线拟合的基本原理及过程；</a:t>
             </a:r>
           </a:p>
@@ -6111,7 +6051,7 @@
               </a:lnSpc>
             </a:pPr>
             <a:r>
-              <a:rPr lang="zh-CN" altLang="zh-CN" sz="2800" dirty="0" smtClean="0"/>
+              <a:rPr lang="zh-CN" altLang="zh-CN" sz="2800" dirty="0"/>
               <a:t>移动最小二乘（不要求）。</a:t>
             </a:r>
           </a:p>
@@ -6122,13 +6062,6 @@
   <p:clrMapOvr>
     <a:masterClrMapping/>
   </p:clrMapOvr>
-  <p:timing>
-    <p:tnLst>
-      <p:par>
-        <p:cTn id="1" dur="indefinite" restart="never" nodeType="tmRoot"/>
-      </p:par>
-    </p:tnLst>
-  </p:timing>
 </p:sld>
 </file>
 
@@ -6179,7 +6112,7 @@
               <a:buNone/>
             </a:pPr>
             <a:r>
-              <a:rPr lang="zh-CN" altLang="en-US" sz="2800" b="1" dirty="0" smtClean="0">
+              <a:rPr lang="zh-CN" altLang="en-US" sz="2800" b="1" dirty="0">
                 <a:solidFill>
                   <a:srgbClr val="002060"/>
                 </a:solidFill>
@@ -6189,7 +6122,7 @@
               <a:t>二  本章</a:t>
             </a:r>
             <a:r>
-              <a:rPr lang="zh-CN" altLang="zh-CN" sz="2800" b="1" dirty="0" smtClean="0">
+              <a:rPr lang="zh-CN" altLang="zh-CN" sz="2800" b="1" dirty="0">
                 <a:solidFill>
                   <a:srgbClr val="002060"/>
                 </a:solidFill>
@@ -6198,7 +6131,7 @@
               </a:rPr>
               <a:t>知识结构图</a:t>
             </a:r>
-            <a:endParaRPr lang="en-US" altLang="zh-CN" sz="2800" b="1" dirty="0" smtClean="0">
+            <a:endParaRPr lang="en-US" altLang="zh-CN" sz="2800" b="1" dirty="0">
               <a:solidFill>
                 <a:srgbClr val="002060"/>
               </a:solidFill>
@@ -6359,13 +6292,6 @@
   <p:clrMapOvr>
     <a:masterClrMapping/>
   </p:clrMapOvr>
-  <p:timing>
-    <p:tnLst>
-      <p:par>
-        <p:cTn id="1" dur="indefinite" restart="never" nodeType="tmRoot"/>
-      </p:par>
-    </p:tnLst>
-  </p:timing>
 </p:sld>
 </file>
 
@@ -6416,7 +6342,7 @@
               <a:buNone/>
             </a:pPr>
             <a:r>
-              <a:rPr lang="zh-CN" altLang="en-US" sz="2800" b="1" dirty="0" smtClean="0">
+              <a:rPr lang="zh-CN" altLang="en-US" sz="2800" b="1" dirty="0">
                 <a:solidFill>
                   <a:srgbClr val="002060"/>
                 </a:solidFill>
@@ -6425,7 +6351,7 @@
               <a:t>三 </a:t>
             </a:r>
             <a:r>
-              <a:rPr lang="zh-CN" altLang="zh-CN" sz="2800" b="1" dirty="0" smtClean="0">
+              <a:rPr lang="zh-CN" altLang="zh-CN" sz="2800" b="1" dirty="0">
                 <a:solidFill>
                   <a:srgbClr val="002060"/>
                 </a:solidFill>
@@ -6433,7 +6359,7 @@
               </a:rPr>
               <a:t>典型例题</a:t>
             </a:r>
-            <a:endParaRPr lang="en-US" altLang="zh-CN" sz="2800" b="1" dirty="0" smtClean="0">
+            <a:endParaRPr lang="en-US" altLang="zh-CN" sz="2800" b="1" dirty="0">
               <a:solidFill>
                 <a:srgbClr val="002060"/>
               </a:solidFill>
@@ -7095,17 +7021,17 @@
               <a:buNone/>
             </a:pPr>
             <a:r>
-              <a:rPr lang="zh-CN" altLang="en-US" sz="3600" b="1" dirty="0" smtClean="0">
+              <a:rPr lang="zh-CN" altLang="en-US" sz="3600" b="1" dirty="0">
                 <a:latin typeface="楷体_GB2312" pitchFamily="49" charset="-122"/>
                 <a:ea typeface="楷体_GB2312" pitchFamily="49" charset="-122"/>
               </a:rPr>
               <a:t>第六章  </a:t>
             </a:r>
             <a:r>
-              <a:rPr lang="zh-CN" altLang="zh-CN" sz="3600" b="1" dirty="0" smtClean="0"/>
+              <a:rPr lang="zh-CN" altLang="zh-CN" sz="3600" b="1" dirty="0"/>
               <a:t>数值微分与数值积分</a:t>
             </a:r>
-            <a:endParaRPr lang="en-US" altLang="zh-CN" sz="3600" b="1" dirty="0" smtClean="0">
+            <a:endParaRPr lang="en-US" altLang="zh-CN" sz="3600" b="1" dirty="0">
               <a:latin typeface="楷体_GB2312" pitchFamily="49" charset="-122"/>
               <a:ea typeface="楷体_GB2312" pitchFamily="49" charset="-122"/>
             </a:endParaRPr>
@@ -7122,7 +7048,7 @@
               <a:buNone/>
             </a:pPr>
             <a:r>
-              <a:rPr lang="zh-CN" altLang="en-US" sz="2800" b="1" dirty="0" smtClean="0">
+              <a:rPr lang="zh-CN" altLang="en-US" sz="2800" b="1" dirty="0">
                 <a:solidFill>
                   <a:srgbClr val="002060"/>
                 </a:solidFill>
@@ -7131,7 +7057,7 @@
               </a:rPr>
               <a:t>一 本章知识点</a:t>
             </a:r>
-            <a:endParaRPr lang="en-US" altLang="zh-CN" sz="2800" b="1" dirty="0" smtClean="0">
+            <a:endParaRPr lang="en-US" altLang="zh-CN" sz="2800" b="1" dirty="0">
               <a:solidFill>
                 <a:srgbClr val="002060"/>
               </a:solidFill>
@@ -7141,55 +7067,55 @@
           </a:p>
           <a:p>
             <a:r>
-              <a:rPr lang="zh-CN" altLang="zh-CN" sz="2800" dirty="0" smtClean="0"/>
+              <a:rPr lang="zh-CN" altLang="zh-CN" sz="2800" dirty="0"/>
               <a:t>数值微分公式构造（泰勒展开法及插值法）；</a:t>
             </a:r>
           </a:p>
           <a:p>
             <a:r>
-              <a:rPr lang="zh-CN" altLang="zh-CN" sz="2800" dirty="0" smtClean="0"/>
+              <a:rPr lang="zh-CN" altLang="zh-CN" sz="2800" dirty="0"/>
               <a:t>牛顿</a:t>
             </a:r>
             <a:r>
-              <a:rPr lang="en-US" altLang="zh-CN" sz="2800" dirty="0" smtClean="0"/>
+              <a:rPr lang="en-US" altLang="zh-CN" sz="2800" dirty="0"/>
               <a:t>-</a:t>
             </a:r>
             <a:r>
-              <a:rPr lang="zh-CN" altLang="zh-CN" sz="2800" dirty="0" smtClean="0"/>
+              <a:rPr lang="zh-CN" altLang="zh-CN" sz="2800" dirty="0"/>
               <a:t>柯特斯求积公式，求积公式代数的精确度，求积公式的截断误差，牛顿</a:t>
             </a:r>
             <a:r>
-              <a:rPr lang="en-US" altLang="zh-CN" sz="2800" dirty="0" smtClean="0"/>
+              <a:rPr lang="en-US" altLang="zh-CN" sz="2800" dirty="0"/>
               <a:t>-</a:t>
             </a:r>
             <a:r>
-              <a:rPr lang="zh-CN" altLang="zh-CN" sz="2800" dirty="0" smtClean="0"/>
+              <a:rPr lang="zh-CN" altLang="zh-CN" sz="2800" dirty="0"/>
               <a:t>柯特斯公式的稳定性，待定系数法；</a:t>
             </a:r>
           </a:p>
           <a:p>
             <a:r>
-              <a:rPr lang="zh-CN" altLang="zh-CN" sz="2800" dirty="0" smtClean="0"/>
+              <a:rPr lang="zh-CN" altLang="zh-CN" sz="2800" dirty="0"/>
               <a:t>复化求积公式的基本原理，复化梯形、复化辛浦生、复化柯特斯求积及其截断误差计算，区间逐次分半的求积法；</a:t>
             </a:r>
           </a:p>
           <a:p>
             <a:r>
-              <a:rPr lang="en-US" altLang="zh-CN" sz="2800" dirty="0" smtClean="0"/>
+              <a:rPr lang="en-US" altLang="zh-CN" sz="2800" dirty="0"/>
               <a:t> </a:t>
             </a:r>
             <a:r>
-              <a:rPr lang="zh-CN" altLang="zh-CN" sz="2800" dirty="0" smtClean="0"/>
+              <a:rPr lang="zh-CN" altLang="zh-CN" sz="2800" dirty="0"/>
               <a:t>龙贝格求积法的算法；</a:t>
             </a:r>
           </a:p>
           <a:p>
             <a:r>
-              <a:rPr lang="en-US" altLang="zh-CN" sz="2800" dirty="0" smtClean="0"/>
+              <a:rPr lang="en-US" altLang="zh-CN" sz="2800" dirty="0"/>
               <a:t> </a:t>
             </a:r>
             <a:r>
-              <a:rPr lang="zh-CN" altLang="zh-CN" sz="2800" dirty="0" smtClean="0"/>
+              <a:rPr lang="zh-CN" altLang="zh-CN" sz="2800" dirty="0"/>
               <a:t>高斯型求积公式。（不要求）</a:t>
             </a:r>
           </a:p>
@@ -7525,13 +7451,13 @@
               <a:buNone/>
             </a:pPr>
             <a:r>
-              <a:rPr lang="zh-CN" altLang="en-US" sz="3600" b="1" dirty="0" smtClean="0">
+              <a:rPr lang="zh-CN" altLang="en-US" sz="3600" b="1" dirty="0">
                 <a:latin typeface="楷体_GB2312" pitchFamily="49" charset="-122"/>
                 <a:ea typeface="楷体_GB2312" pitchFamily="49" charset="-122"/>
               </a:rPr>
               <a:t>第一章 绪论</a:t>
             </a:r>
-            <a:endParaRPr lang="en-US" altLang="zh-CN" sz="3600" b="1" dirty="0" smtClean="0">
+            <a:endParaRPr lang="en-US" altLang="zh-CN" sz="3600" b="1" dirty="0">
               <a:latin typeface="楷体_GB2312" pitchFamily="49" charset="-122"/>
               <a:ea typeface="楷体_GB2312" pitchFamily="49" charset="-122"/>
             </a:endParaRPr>
@@ -7544,7 +7470,7 @@
               <a:buFontTx/>
               <a:buNone/>
             </a:pPr>
-            <a:endParaRPr lang="zh-CN" altLang="en-US" sz="2800" b="1" dirty="0" smtClean="0">
+            <a:endParaRPr lang="zh-CN" altLang="en-US" sz="2800" b="1" dirty="0">
               <a:latin typeface="楷体_GB2312" pitchFamily="49" charset="-122"/>
               <a:ea typeface="楷体_GB2312" pitchFamily="49" charset="-122"/>
             </a:endParaRPr>
@@ -7558,7 +7484,7 @@
               <a:buNone/>
             </a:pPr>
             <a:r>
-              <a:rPr lang="zh-CN" altLang="en-US" sz="2800" b="1" dirty="0" smtClean="0">
+              <a:rPr lang="zh-CN" altLang="en-US" sz="2800" b="1" dirty="0">
                 <a:solidFill>
                   <a:srgbClr val="002060"/>
                 </a:solidFill>
@@ -7567,7 +7493,7 @@
               </a:rPr>
               <a:t>一 本章知识点</a:t>
             </a:r>
-            <a:endParaRPr lang="en-US" altLang="zh-CN" sz="2800" b="1" dirty="0" smtClean="0">
+            <a:endParaRPr lang="en-US" altLang="zh-CN" sz="2800" b="1" dirty="0">
               <a:solidFill>
                 <a:srgbClr val="002060"/>
               </a:solidFill>
@@ -7582,17 +7508,17 @@
               </a:lnSpc>
             </a:pPr>
             <a:r>
-              <a:rPr lang="zh-CN" altLang="en-US" sz="2800" b="1" dirty="0" smtClean="0">
+              <a:rPr lang="zh-CN" altLang="en-US" sz="2800" b="1" dirty="0">
                 <a:latin typeface="楷体_GB2312" pitchFamily="49" charset="-122"/>
                 <a:ea typeface="楷体_GB2312" pitchFamily="49" charset="-122"/>
               </a:rPr>
               <a:t> </a:t>
             </a:r>
             <a:r>
-              <a:rPr lang="zh-CN" altLang="en-US" sz="2800" dirty="0" smtClean="0"/>
+              <a:rPr lang="zh-CN" altLang="en-US" sz="2800" dirty="0"/>
               <a:t>误差的来源与分类；</a:t>
             </a:r>
-            <a:endParaRPr lang="en-US" altLang="zh-CN" sz="2800" dirty="0" smtClean="0"/>
+            <a:endParaRPr lang="en-US" altLang="zh-CN" sz="2800" dirty="0"/>
           </a:p>
           <a:p>
             <a:pPr>
@@ -7601,10 +7527,10 @@
               </a:lnSpc>
             </a:pPr>
             <a:r>
-              <a:rPr lang="zh-CN" altLang="en-US" sz="2800" dirty="0" smtClean="0"/>
+              <a:rPr lang="zh-CN" altLang="en-US" sz="2800" dirty="0"/>
               <a:t>   绝对误差，相对误差，有效数字；</a:t>
             </a:r>
-            <a:endParaRPr lang="en-US" altLang="zh-CN" sz="2800" dirty="0" smtClean="0"/>
+            <a:endParaRPr lang="en-US" altLang="zh-CN" sz="2800" dirty="0"/>
           </a:p>
           <a:p>
             <a:pPr>
@@ -7613,10 +7539,10 @@
               </a:lnSpc>
             </a:pPr>
             <a:r>
-              <a:rPr lang="zh-CN" altLang="en-US" sz="2800" dirty="0" smtClean="0"/>
+              <a:rPr lang="zh-CN" altLang="en-US" sz="2800" dirty="0"/>
               <a:t>   误差的传播；</a:t>
             </a:r>
-            <a:endParaRPr lang="en-US" altLang="zh-CN" sz="2800" dirty="0" smtClean="0"/>
+            <a:endParaRPr lang="en-US" altLang="zh-CN" sz="2800" dirty="0"/>
           </a:p>
           <a:p>
             <a:pPr>
@@ -7625,10 +7551,10 @@
               </a:lnSpc>
             </a:pPr>
             <a:r>
-              <a:rPr lang="zh-CN" altLang="en-US" sz="2800" dirty="0" smtClean="0"/>
+              <a:rPr lang="zh-CN" altLang="en-US" sz="2800" dirty="0"/>
               <a:t>   算法的稳定性；</a:t>
             </a:r>
-            <a:endParaRPr lang="en-US" altLang="zh-CN" sz="2800" dirty="0" smtClean="0"/>
+            <a:endParaRPr lang="en-US" altLang="zh-CN" sz="2800" dirty="0"/>
           </a:p>
           <a:p>
             <a:pPr>
@@ -7637,7 +7563,7 @@
               </a:lnSpc>
             </a:pPr>
             <a:r>
-              <a:rPr lang="zh-CN" altLang="en-US" sz="2800" dirty="0" smtClean="0"/>
+              <a:rPr lang="zh-CN" altLang="en-US" sz="2800" dirty="0"/>
               <a:t>   选用选法应遵循的基本原则。</a:t>
             </a:r>
           </a:p>
@@ -7973,7 +7899,7 @@
               <a:buNone/>
             </a:pPr>
             <a:r>
-              <a:rPr lang="zh-CN" altLang="en-US" sz="2800" b="1" dirty="0" smtClean="0">
+              <a:rPr lang="zh-CN" altLang="en-US" sz="2800" b="1" dirty="0">
                 <a:solidFill>
                   <a:srgbClr val="002060"/>
                 </a:solidFill>
@@ -7983,7 +7909,7 @@
               <a:t>二  本章</a:t>
             </a:r>
             <a:r>
-              <a:rPr lang="zh-CN" altLang="zh-CN" sz="2800" b="1" dirty="0" smtClean="0">
+              <a:rPr lang="zh-CN" altLang="zh-CN" sz="2800" b="1" dirty="0">
                 <a:solidFill>
                   <a:srgbClr val="002060"/>
                 </a:solidFill>
@@ -7992,7 +7918,7 @@
               </a:rPr>
               <a:t>知识结构图</a:t>
             </a:r>
-            <a:endParaRPr lang="en-US" altLang="zh-CN" sz="2800" b="1" dirty="0" smtClean="0">
+            <a:endParaRPr lang="en-US" altLang="zh-CN" sz="2800" b="1" dirty="0">
               <a:solidFill>
                 <a:srgbClr val="002060"/>
               </a:solidFill>
@@ -8153,13 +8079,6 @@
   <p:clrMapOvr>
     <a:masterClrMapping/>
   </p:clrMapOvr>
-  <p:timing>
-    <p:tnLst>
-      <p:par>
-        <p:cTn id="1" dur="indefinite" restart="never" nodeType="tmRoot"/>
-      </p:par>
-    </p:tnLst>
-  </p:timing>
 </p:sld>
 </file>
 
@@ -8210,7 +8129,7 @@
               <a:buNone/>
             </a:pPr>
             <a:r>
-              <a:rPr lang="zh-CN" altLang="en-US" sz="2800" b="1" dirty="0" smtClean="0">
+              <a:rPr lang="zh-CN" altLang="en-US" sz="2800" b="1" dirty="0">
                 <a:solidFill>
                   <a:srgbClr val="002060"/>
                 </a:solidFill>
@@ -8219,7 +8138,7 @@
               <a:t>三 </a:t>
             </a:r>
             <a:r>
-              <a:rPr lang="zh-CN" altLang="zh-CN" sz="2800" b="1" dirty="0" smtClean="0">
+              <a:rPr lang="zh-CN" altLang="zh-CN" sz="2800" b="1" dirty="0">
                 <a:solidFill>
                   <a:srgbClr val="002060"/>
                 </a:solidFill>
@@ -8227,7 +8146,7 @@
               </a:rPr>
               <a:t>典型例题</a:t>
             </a:r>
-            <a:endParaRPr lang="en-US" altLang="zh-CN" sz="2800" b="1" dirty="0" smtClean="0">
+            <a:endParaRPr lang="en-US" altLang="zh-CN" sz="2800" b="1" dirty="0">
               <a:solidFill>
                 <a:srgbClr val="002060"/>
               </a:solidFill>
@@ -8737,17 +8656,17 @@
               <a:buNone/>
             </a:pPr>
             <a:r>
-              <a:rPr lang="zh-CN" altLang="en-US" sz="3600" b="1" dirty="0" smtClean="0">
+              <a:rPr lang="zh-CN" altLang="en-US" sz="3600" b="1" dirty="0">
                 <a:latin typeface="楷体_GB2312" pitchFamily="49" charset="-122"/>
                 <a:ea typeface="楷体_GB2312" pitchFamily="49" charset="-122"/>
               </a:rPr>
               <a:t>第七章 </a:t>
             </a:r>
             <a:r>
-              <a:rPr lang="zh-CN" altLang="zh-CN" sz="3600" b="1" dirty="0" smtClean="0"/>
+              <a:rPr lang="zh-CN" altLang="zh-CN" sz="3600" b="1" dirty="0"/>
               <a:t>常微方分程初值问题的数值解法</a:t>
             </a:r>
-            <a:endParaRPr lang="en-US" altLang="zh-CN" sz="3600" b="1" dirty="0" smtClean="0">
+            <a:endParaRPr lang="en-US" altLang="zh-CN" sz="3600" b="1" dirty="0">
               <a:latin typeface="楷体_GB2312" pitchFamily="49" charset="-122"/>
               <a:ea typeface="楷体_GB2312" pitchFamily="49" charset="-122"/>
             </a:endParaRPr>
@@ -8764,7 +8683,7 @@
               <a:buNone/>
             </a:pPr>
             <a:r>
-              <a:rPr lang="zh-CN" altLang="en-US" sz="2800" b="1" dirty="0" smtClean="0">
+              <a:rPr lang="zh-CN" altLang="en-US" sz="2800" b="1" dirty="0">
                 <a:solidFill>
                   <a:srgbClr val="002060"/>
                 </a:solidFill>
@@ -8773,7 +8692,7 @@
               </a:rPr>
               <a:t>一 本章知识点</a:t>
             </a:r>
-            <a:endParaRPr lang="en-US" altLang="zh-CN" sz="2800" b="1" dirty="0" smtClean="0">
+            <a:endParaRPr lang="en-US" altLang="zh-CN" sz="2800" b="1" dirty="0">
               <a:solidFill>
                 <a:srgbClr val="002060"/>
               </a:solidFill>
@@ -8788,7 +8707,7 @@
               </a:lnSpc>
             </a:pPr>
             <a:r>
-              <a:rPr lang="zh-CN" altLang="zh-CN" sz="2800" dirty="0" smtClean="0"/>
+              <a:rPr lang="zh-CN" altLang="zh-CN" sz="2800" dirty="0"/>
               <a:t>常微分方程初值问题的基本概念；</a:t>
             </a:r>
           </a:p>
@@ -8799,15 +8718,15 @@
               </a:lnSpc>
             </a:pPr>
             <a:r>
-              <a:rPr lang="zh-CN" altLang="zh-CN" sz="2800" dirty="0" smtClean="0"/>
+              <a:rPr lang="zh-CN" altLang="zh-CN" sz="2800" dirty="0"/>
               <a:t>欧拉及其推导；梯形法；欧拉预估</a:t>
             </a:r>
             <a:r>
-              <a:rPr lang="en-US" altLang="zh-CN" sz="2800" dirty="0" smtClean="0"/>
+              <a:rPr lang="en-US" altLang="zh-CN" sz="2800" dirty="0"/>
               <a:t>-</a:t>
             </a:r>
             <a:r>
-              <a:rPr lang="zh-CN" altLang="zh-CN" sz="2800" dirty="0" smtClean="0"/>
+              <a:rPr lang="zh-CN" altLang="zh-CN" sz="2800" dirty="0"/>
               <a:t>校正公式；误差估计、收敛性、稳定性理论；</a:t>
             </a:r>
           </a:p>
@@ -8818,15 +8737,15 @@
               </a:lnSpc>
             </a:pPr>
             <a:r>
-              <a:rPr lang="zh-CN" altLang="zh-CN" sz="2800" dirty="0" smtClean="0"/>
+              <a:rPr lang="zh-CN" altLang="zh-CN" sz="2800" dirty="0"/>
               <a:t>泰勒展开法；龙格</a:t>
             </a:r>
             <a:r>
-              <a:rPr lang="en-US" altLang="zh-CN" sz="2800" dirty="0" smtClean="0"/>
+              <a:rPr lang="en-US" altLang="zh-CN" sz="2800" dirty="0"/>
               <a:t>-</a:t>
             </a:r>
             <a:r>
-              <a:rPr lang="zh-CN" altLang="zh-CN" sz="2800" dirty="0" smtClean="0"/>
+              <a:rPr lang="zh-CN" altLang="zh-CN" sz="2800" dirty="0"/>
               <a:t>库塔方法；</a:t>
             </a:r>
           </a:p>
@@ -8837,10 +8756,9 @@
               </a:lnSpc>
             </a:pPr>
             <a:r>
-              <a:rPr lang="zh-CN" altLang="zh-CN" sz="2800" dirty="0" smtClean="0"/>
+              <a:rPr lang="zh-CN" altLang="zh-CN" sz="2800" dirty="0"/>
               <a:t>线性多步法（数值积分法、泰勒展开法）。</a:t>
             </a:r>
-            <a:endParaRPr lang="zh-CN" altLang="zh-CN" sz="2800" dirty="0"/>
           </a:p>
         </p:txBody>
       </p:sp>
@@ -9341,7 +9259,7 @@
               <a:buNone/>
             </a:pPr>
             <a:r>
-              <a:rPr lang="zh-CN" altLang="en-US" sz="2800" b="1" dirty="0" smtClean="0">
+              <a:rPr lang="zh-CN" altLang="en-US" sz="2800" b="1" dirty="0">
                 <a:solidFill>
                   <a:srgbClr val="002060"/>
                 </a:solidFill>
@@ -9351,7 +9269,7 @@
               <a:t>二  本章</a:t>
             </a:r>
             <a:r>
-              <a:rPr lang="zh-CN" altLang="zh-CN" sz="2800" b="1" dirty="0" smtClean="0">
+              <a:rPr lang="zh-CN" altLang="zh-CN" sz="2800" b="1" dirty="0">
                 <a:solidFill>
                   <a:srgbClr val="002060"/>
                 </a:solidFill>
@@ -9360,7 +9278,7 @@
               </a:rPr>
               <a:t>知识结构图</a:t>
             </a:r>
-            <a:endParaRPr lang="en-US" altLang="zh-CN" sz="2800" b="1" dirty="0" smtClean="0">
+            <a:endParaRPr lang="en-US" altLang="zh-CN" sz="2800" b="1" dirty="0">
               <a:solidFill>
                 <a:srgbClr val="002060"/>
               </a:solidFill>
@@ -9536,9 +9454,59 @@
         </p:xfrm>
         <a:graphic>
           <a:graphicData uri="http://schemas.openxmlformats.org/presentationml/2006/ole">
-            <p:oleObj spid="_x0000_s340993" name="Equation" r:id="rId3" imgW="4876800" imgH="3022600" progId="Equation.DSMT4">
-              <p:embed/>
-            </p:oleObj>
+            <mc:AlternateContent xmlns:mc="http://schemas.openxmlformats.org/markup-compatibility/2006">
+              <mc:Choice xmlns:v="urn:schemas-microsoft-com:vml" Requires="v">
+                <p:oleObj spid="_x0000_s340993" name="Equation" r:id="rId2" imgW="4876800" imgH="3022600" progId="Equation.DSMT4">
+                  <p:embed/>
+                </p:oleObj>
+              </mc:Choice>
+              <mc:Fallback>
+                <p:oleObj name="Equation" r:id="rId2" imgW="4876800" imgH="3022600" progId="Equation.DSMT4">
+                  <p:embed/>
+                  <p:pic>
+                    <p:nvPicPr>
+                      <p:cNvPr id="0" name="Picture 1"/>
+                      <p:cNvPicPr>
+                        <a:picLocks noChangeAspect="1" noChangeArrowheads="1"/>
+                      </p:cNvPicPr>
+                      <p:nvPr/>
+                    </p:nvPicPr>
+                    <p:blipFill>
+                      <a:blip r:embed="rId3">
+                        <a:extLst>
+                          <a:ext uri="{28A0092B-C50C-407E-A947-70E740481C1C}">
+                            <a14:useLocalDpi xmlns:a14="http://schemas.microsoft.com/office/drawing/2010/main" val="0"/>
+                          </a:ext>
+                        </a:extLst>
+                      </a:blip>
+                      <a:srcRect/>
+                      <a:stretch>
+                        <a:fillRect/>
+                      </a:stretch>
+                    </p:blipFill>
+                    <p:spPr bwMode="auto">
+                      <a:xfrm>
+                        <a:off x="395536" y="980728"/>
+                        <a:ext cx="8208912" cy="5256584"/>
+                      </a:xfrm>
+                      <a:prstGeom prst="rect">
+                        <a:avLst/>
+                      </a:prstGeom>
+                      <a:noFill/>
+                      <a:extLst>
+                        <a:ext uri="{909E8E84-426E-40DD-AFC4-6F175D3DCCD1}">
+                          <a14:hiddenFill xmlns:a14="http://schemas.microsoft.com/office/drawing/2010/main">
+                            <a:solidFill>
+                              <a:srgbClr val="FFFFFF"/>
+                            </a:solidFill>
+                          </a14:hiddenFill>
+                        </a:ext>
+                      </a:extLst>
+                    </p:spPr>
+                  </p:pic>
+                </p:oleObj>
+              </mc:Fallback>
+            </mc:AlternateContent>
           </a:graphicData>
         </a:graphic>
       </p:graphicFrame>
@@ -9547,13 +9515,6 @@
   <p:clrMapOvr>
     <a:masterClrMapping/>
   </p:clrMapOvr>
-  <p:timing>
-    <p:tnLst>
-      <p:par>
-        <p:cTn id="1" dur="indefinite" restart="never" nodeType="tmRoot"/>
-      </p:par>
-    </p:tnLst>
-  </p:timing>
 </p:sld>
 </file>
 
@@ -9604,7 +9565,7 @@
               <a:buNone/>
             </a:pPr>
             <a:r>
-              <a:rPr lang="zh-CN" altLang="en-US" sz="2800" b="1" dirty="0" smtClean="0">
+              <a:rPr lang="zh-CN" altLang="en-US" sz="2800" b="1" dirty="0">
                 <a:solidFill>
                   <a:srgbClr val="002060"/>
                 </a:solidFill>
@@ -9613,7 +9574,7 @@
               <a:t>三 </a:t>
             </a:r>
             <a:r>
-              <a:rPr lang="zh-CN" altLang="zh-CN" sz="2800" b="1" dirty="0" smtClean="0">
+              <a:rPr lang="zh-CN" altLang="zh-CN" sz="2800" b="1" dirty="0">
                 <a:solidFill>
                   <a:srgbClr val="002060"/>
                 </a:solidFill>
@@ -9621,7 +9582,7 @@
               </a:rPr>
               <a:t>典型例题</a:t>
             </a:r>
-            <a:endParaRPr lang="en-US" altLang="zh-CN" sz="2800" b="1" dirty="0" smtClean="0">
+            <a:endParaRPr lang="en-US" altLang="zh-CN" sz="2800" b="1" dirty="0">
               <a:solidFill>
                 <a:srgbClr val="002060"/>
               </a:solidFill>
@@ -10107,7 +10068,7 @@
               <a:buNone/>
             </a:pPr>
             <a:r>
-              <a:rPr lang="zh-CN" altLang="en-US" sz="2800" b="1" dirty="0" smtClean="0">
+              <a:rPr lang="zh-CN" altLang="en-US" sz="2800" b="1" dirty="0">
                 <a:solidFill>
                   <a:srgbClr val="002060"/>
                 </a:solidFill>
@@ -10116,7 +10077,7 @@
               <a:t>三 </a:t>
             </a:r>
             <a:r>
-              <a:rPr lang="zh-CN" altLang="zh-CN" sz="2800" b="1" dirty="0" smtClean="0">
+              <a:rPr lang="zh-CN" altLang="zh-CN" sz="2800" b="1" dirty="0">
                 <a:solidFill>
                   <a:srgbClr val="002060"/>
                 </a:solidFill>
@@ -10124,7 +10085,7 @@
               </a:rPr>
               <a:t>典型例题</a:t>
             </a:r>
-            <a:endParaRPr lang="en-US" altLang="zh-CN" sz="2800" b="1" dirty="0" smtClean="0">
+            <a:endParaRPr lang="en-US" altLang="zh-CN" sz="2800" b="1" dirty="0">
               <a:solidFill>
                 <a:srgbClr val="002060"/>
               </a:solidFill>
@@ -10464,17 +10425,17 @@
               <a:buNone/>
             </a:pPr>
             <a:r>
-              <a:rPr lang="zh-CN" altLang="en-US" sz="3600" b="1" dirty="0" smtClean="0">
+              <a:rPr lang="zh-CN" altLang="en-US" sz="3600" b="1" dirty="0">
                 <a:latin typeface="楷体_GB2312" pitchFamily="49" charset="-122"/>
                 <a:ea typeface="楷体_GB2312" pitchFamily="49" charset="-122"/>
               </a:rPr>
               <a:t>第八章  </a:t>
             </a:r>
             <a:r>
-              <a:rPr lang="zh-CN" altLang="zh-CN" sz="3600" b="1" dirty="0" smtClean="0"/>
+              <a:rPr lang="zh-CN" altLang="zh-CN" sz="3600" b="1" dirty="0"/>
               <a:t>矩阵特征值与特征向量的计算</a:t>
             </a:r>
-            <a:endParaRPr lang="en-US" altLang="zh-CN" sz="3600" b="1" dirty="0" smtClean="0">
+            <a:endParaRPr lang="en-US" altLang="zh-CN" sz="3600" b="1" dirty="0">
               <a:latin typeface="楷体_GB2312" pitchFamily="49" charset="-122"/>
               <a:ea typeface="楷体_GB2312" pitchFamily="49" charset="-122"/>
             </a:endParaRPr>
@@ -10491,7 +10452,7 @@
               <a:buNone/>
             </a:pPr>
             <a:r>
-              <a:rPr lang="zh-CN" altLang="en-US" sz="2800" b="1" dirty="0" smtClean="0">
+              <a:rPr lang="zh-CN" altLang="en-US" sz="2800" b="1" dirty="0">
                 <a:solidFill>
                   <a:srgbClr val="002060"/>
                 </a:solidFill>
@@ -10500,7 +10461,7 @@
               </a:rPr>
               <a:t>一 本章知识点</a:t>
             </a:r>
-            <a:endParaRPr lang="en-US" altLang="zh-CN" sz="2800" b="1" dirty="0" smtClean="0">
+            <a:endParaRPr lang="en-US" altLang="zh-CN" sz="2800" b="1" dirty="0">
               <a:solidFill>
                 <a:srgbClr val="002060"/>
               </a:solidFill>
@@ -10515,7 +10476,7 @@
               </a:lnSpc>
             </a:pPr>
             <a:r>
-              <a:rPr lang="zh-CN" altLang="zh-CN" sz="2800" dirty="0" smtClean="0"/>
+              <a:rPr lang="zh-CN" altLang="zh-CN" sz="2800" dirty="0"/>
               <a:t>乘幂法的基本原理，利用乘幂法求矩阵按模最大的特征值及其对应的特征向量的过程；</a:t>
             </a:r>
           </a:p>
@@ -10526,7 +10487,7 @@
               </a:lnSpc>
             </a:pPr>
             <a:r>
-              <a:rPr lang="zh-CN" altLang="zh-CN" sz="2800" dirty="0" smtClean="0"/>
+              <a:rPr lang="zh-CN" altLang="zh-CN" sz="2800" dirty="0"/>
               <a:t>反幂法的基本原理，利用反幂法求矩阵按模最小的特征值及其对应的特征向量的过程；原点平移的基本思想，用反幂法和原点平移法相结合求某一点附近的特征值及特征向量。</a:t>
             </a:r>
           </a:p>
@@ -10537,10 +10498,9 @@
               </a:lnSpc>
             </a:pPr>
             <a:r>
-              <a:rPr lang="zh-CN" altLang="zh-CN" sz="2800" dirty="0" smtClean="0"/>
+              <a:rPr lang="zh-CN" altLang="zh-CN" sz="2800" dirty="0"/>
               <a:t>雅可比方法（不要求）。</a:t>
             </a:r>
-            <a:endParaRPr lang="zh-CN" altLang="zh-CN" sz="2800" dirty="0"/>
           </a:p>
         </p:txBody>
       </p:sp>
@@ -10812,7 +10772,7 @@
               <a:buNone/>
             </a:pPr>
             <a:r>
-              <a:rPr lang="zh-CN" altLang="en-US" sz="2800" b="1" dirty="0" smtClean="0">
+              <a:rPr lang="zh-CN" altLang="en-US" sz="2800" b="1" dirty="0">
                 <a:solidFill>
                   <a:srgbClr val="002060"/>
                 </a:solidFill>
@@ -10822,7 +10782,7 @@
               <a:t>二  本章</a:t>
             </a:r>
             <a:r>
-              <a:rPr lang="zh-CN" altLang="zh-CN" sz="2800" b="1" dirty="0" smtClean="0">
+              <a:rPr lang="zh-CN" altLang="zh-CN" sz="2800" b="1" dirty="0">
                 <a:solidFill>
                   <a:srgbClr val="002060"/>
                 </a:solidFill>
@@ -10831,7 +10791,7 @@
               </a:rPr>
               <a:t>知识结构图</a:t>
             </a:r>
-            <a:endParaRPr lang="en-US" altLang="zh-CN" sz="2800" b="1" dirty="0" smtClean="0">
+            <a:endParaRPr lang="en-US" altLang="zh-CN" sz="2800" b="1" dirty="0">
               <a:solidFill>
                 <a:srgbClr val="002060"/>
               </a:solidFill>
@@ -11083,9 +11043,59 @@
         </p:xfrm>
         <a:graphic>
           <a:graphicData uri="http://schemas.openxmlformats.org/presentationml/2006/ole">
-            <p:oleObj spid="_x0000_s349189" name="Equation" r:id="rId3" imgW="3987800" imgH="1244600" progId="Equation.DSMT4">
-              <p:embed/>
-            </p:oleObj>
+            <mc:AlternateContent xmlns:mc="http://schemas.openxmlformats.org/markup-compatibility/2006">
+              <mc:Choice xmlns:v="urn:schemas-microsoft-com:vml" Requires="v">
+                <p:oleObj spid="_x0000_s349189" name="Equation" r:id="rId2" imgW="3987800" imgH="1244600" progId="Equation.DSMT4">
+                  <p:embed/>
+                </p:oleObj>
+              </mc:Choice>
+              <mc:Fallback>
+                <p:oleObj name="Equation" r:id="rId2" imgW="3987800" imgH="1244600" progId="Equation.DSMT4">
+                  <p:embed/>
+                  <p:pic>
+                    <p:nvPicPr>
+                      <p:cNvPr id="0" name="Picture 5"/>
+                      <p:cNvPicPr>
+                        <a:picLocks noChangeAspect="1" noChangeArrowheads="1"/>
+                      </p:cNvPicPr>
+                      <p:nvPr/>
+                    </p:nvPicPr>
+                    <p:blipFill>
+                      <a:blip r:embed="rId3">
+                        <a:extLst>
+                          <a:ext uri="{28A0092B-C50C-407E-A947-70E740481C1C}">
+                            <a14:useLocalDpi xmlns:a14="http://schemas.microsoft.com/office/drawing/2010/main" val="0"/>
+                          </a:ext>
+                        </a:extLst>
+                      </a:blip>
+                      <a:srcRect/>
+                      <a:stretch>
+                        <a:fillRect/>
+                      </a:stretch>
+                    </p:blipFill>
+                    <p:spPr bwMode="auto">
+                      <a:xfrm>
+                        <a:off x="419539" y="1196752"/>
+                        <a:ext cx="7392821" cy="2304256"/>
+                      </a:xfrm>
+                      <a:prstGeom prst="rect">
+                        <a:avLst/>
+                      </a:prstGeom>
+                      <a:noFill/>
+                      <a:extLst>
+                        <a:ext uri="{909E8E84-426E-40DD-AFC4-6F175D3DCCD1}">
+                          <a14:hiddenFill xmlns:a14="http://schemas.microsoft.com/office/drawing/2010/main">
+                            <a:solidFill>
+                              <a:srgbClr val="FFFFFF"/>
+                            </a:solidFill>
+                          </a14:hiddenFill>
+                        </a:ext>
+                      </a:extLst>
+                    </p:spPr>
+                  </p:pic>
+                </p:oleObj>
+              </mc:Fallback>
+            </mc:AlternateContent>
           </a:graphicData>
         </a:graphic>
       </p:graphicFrame>
@@ -11094,13 +11104,6 @@
   <p:clrMapOvr>
     <a:masterClrMapping/>
   </p:clrMapOvr>
-  <p:timing>
-    <p:tnLst>
-      <p:par>
-        <p:cTn id="1" dur="indefinite" restart="never" nodeType="tmRoot"/>
-      </p:par>
-    </p:tnLst>
-  </p:timing>
 </p:sld>
 </file>
 
@@ -11151,7 +11154,7 @@
               <a:buNone/>
             </a:pPr>
             <a:r>
-              <a:rPr lang="zh-CN" altLang="en-US" sz="2800" b="1" dirty="0" smtClean="0">
+              <a:rPr lang="zh-CN" altLang="en-US" sz="2800" b="1" dirty="0">
                 <a:solidFill>
                   <a:srgbClr val="002060"/>
                 </a:solidFill>
@@ -11160,7 +11163,7 @@
               <a:t>三 </a:t>
             </a:r>
             <a:r>
-              <a:rPr lang="zh-CN" altLang="zh-CN" sz="2800" b="1" dirty="0" smtClean="0">
+              <a:rPr lang="zh-CN" altLang="zh-CN" sz="2800" b="1" dirty="0">
                 <a:solidFill>
                   <a:srgbClr val="002060"/>
                 </a:solidFill>
@@ -11168,7 +11171,7 @@
               </a:rPr>
               <a:t>典型例题</a:t>
             </a:r>
-            <a:endParaRPr lang="en-US" altLang="zh-CN" sz="2800" b="1" dirty="0" smtClean="0">
+            <a:endParaRPr lang="en-US" altLang="zh-CN" sz="2800" b="1" dirty="0">
               <a:solidFill>
                 <a:srgbClr val="002060"/>
               </a:solidFill>
@@ -11492,7 +11495,7 @@
               <a:buNone/>
             </a:pPr>
             <a:r>
-              <a:rPr lang="zh-CN" altLang="en-US" sz="2800" b="1" dirty="0" smtClean="0">
+              <a:rPr lang="zh-CN" altLang="en-US" sz="2800" b="1" dirty="0">
                 <a:solidFill>
                   <a:srgbClr val="002060"/>
                 </a:solidFill>
@@ -11502,7 +11505,7 @@
               <a:t>二  本章</a:t>
             </a:r>
             <a:r>
-              <a:rPr lang="zh-CN" altLang="zh-CN" sz="2800" b="1" dirty="0" smtClean="0">
+              <a:rPr lang="zh-CN" altLang="zh-CN" sz="2800" b="1" dirty="0">
                 <a:solidFill>
                   <a:srgbClr val="002060"/>
                 </a:solidFill>
@@ -11511,7 +11514,7 @@
               </a:rPr>
               <a:t>知识结构图</a:t>
             </a:r>
-            <a:endParaRPr lang="en-US" altLang="zh-CN" sz="2800" b="1" dirty="0" smtClean="0">
+            <a:endParaRPr lang="en-US" altLang="zh-CN" sz="2800" b="1" dirty="0">
               <a:solidFill>
                 <a:srgbClr val="002060"/>
               </a:solidFill>
@@ -11573,9 +11576,59 @@
         </p:xfrm>
         <a:graphic>
           <a:graphicData uri="http://schemas.openxmlformats.org/presentationml/2006/ole">
-            <p:oleObj spid="_x0000_s307201" name="Equation" r:id="rId3" imgW="2705100" imgH="2514600" progId="Equation.DSMT4">
-              <p:embed/>
-            </p:oleObj>
+            <mc:AlternateContent xmlns:mc="http://schemas.openxmlformats.org/markup-compatibility/2006">
+              <mc:Choice xmlns:v="urn:schemas-microsoft-com:vml" Requires="v">
+                <p:oleObj spid="_x0000_s307201" name="Equation" r:id="rId2" imgW="2705100" imgH="2514600" progId="Equation.DSMT4">
+                  <p:embed/>
+                </p:oleObj>
+              </mc:Choice>
+              <mc:Fallback>
+                <p:oleObj name="Equation" r:id="rId2" imgW="2705100" imgH="2514600" progId="Equation.DSMT4">
+                  <p:embed/>
+                  <p:pic>
+                    <p:nvPicPr>
+                      <p:cNvPr id="0" name="Picture 1"/>
+                      <p:cNvPicPr>
+                        <a:picLocks noChangeAspect="1" noChangeArrowheads="1"/>
+                      </p:cNvPicPr>
+                      <p:nvPr/>
+                    </p:nvPicPr>
+                    <p:blipFill>
+                      <a:blip r:embed="rId3">
+                        <a:extLst>
+                          <a:ext uri="{28A0092B-C50C-407E-A947-70E740481C1C}">
+                            <a14:useLocalDpi xmlns:a14="http://schemas.microsoft.com/office/drawing/2010/main" val="0"/>
+                          </a:ext>
+                        </a:extLst>
+                      </a:blip>
+                      <a:srcRect/>
+                      <a:stretch>
+                        <a:fillRect/>
+                      </a:stretch>
+                    </p:blipFill>
+                    <p:spPr bwMode="auto">
+                      <a:xfrm>
+                        <a:off x="683568" y="1124744"/>
+                        <a:ext cx="7560840" cy="5033098"/>
+                      </a:xfrm>
+                      <a:prstGeom prst="rect">
+                        <a:avLst/>
+                      </a:prstGeom>
+                      <a:noFill/>
+                      <a:extLst>
+                        <a:ext uri="{909E8E84-426E-40DD-AFC4-6F175D3DCCD1}">
+                          <a14:hiddenFill xmlns:a14="http://schemas.microsoft.com/office/drawing/2010/main">
+                            <a:solidFill>
+                              <a:srgbClr val="FFFFFF"/>
+                            </a:solidFill>
+                          </a14:hiddenFill>
+                        </a:ext>
+                      </a:extLst>
+                    </p:spPr>
+                  </p:pic>
+                </p:oleObj>
+              </mc:Fallback>
+            </mc:AlternateContent>
           </a:graphicData>
         </a:graphic>
       </p:graphicFrame>
@@ -11584,13 +11637,6 @@
   <p:clrMapOvr>
     <a:masterClrMapping/>
   </p:clrMapOvr>
-  <p:timing>
-    <p:tnLst>
-      <p:par>
-        <p:cTn id="1" dur="indefinite" restart="never" nodeType="tmRoot"/>
-      </p:par>
-    </p:tnLst>
-  </p:timing>
 </p:sld>
 </file>
 
@@ -11641,7 +11687,7 @@
               <a:buNone/>
             </a:pPr>
             <a:r>
-              <a:rPr lang="zh-CN" altLang="en-US" sz="2800" b="1" dirty="0" smtClean="0">
+              <a:rPr lang="zh-CN" altLang="en-US" sz="2800" b="1" dirty="0">
                 <a:solidFill>
                   <a:srgbClr val="002060"/>
                 </a:solidFill>
@@ -11650,7 +11696,7 @@
               <a:t>三 </a:t>
             </a:r>
             <a:r>
-              <a:rPr lang="zh-CN" altLang="zh-CN" sz="2800" b="1" dirty="0" smtClean="0">
+              <a:rPr lang="zh-CN" altLang="zh-CN" sz="2800" b="1" dirty="0">
                 <a:solidFill>
                   <a:srgbClr val="002060"/>
                 </a:solidFill>
@@ -11658,7 +11704,7 @@
               </a:rPr>
               <a:t>典型例题</a:t>
             </a:r>
-            <a:endParaRPr lang="en-US" altLang="zh-CN" sz="2800" b="1" dirty="0" smtClean="0">
+            <a:endParaRPr lang="en-US" altLang="zh-CN" sz="2800" b="1" dirty="0">
               <a:solidFill>
                 <a:srgbClr val="002060"/>
               </a:solidFill>
@@ -12253,17 +12299,17 @@
               <a:buNone/>
             </a:pPr>
             <a:r>
-              <a:rPr lang="zh-CN" altLang="en-US" sz="3600" b="1" dirty="0" smtClean="0">
+              <a:rPr lang="zh-CN" altLang="en-US" sz="3600" b="1" dirty="0">
                 <a:latin typeface="楷体_GB2312" pitchFamily="49" charset="-122"/>
                 <a:ea typeface="楷体_GB2312" pitchFamily="49" charset="-122"/>
               </a:rPr>
               <a:t>第二章 </a:t>
             </a:r>
             <a:r>
-              <a:rPr lang="zh-CN" altLang="zh-CN" sz="3600" b="1" dirty="0" smtClean="0"/>
+              <a:rPr lang="zh-CN" altLang="zh-CN" sz="3600" b="1" dirty="0"/>
               <a:t>非线性方程数值解法</a:t>
             </a:r>
-            <a:endParaRPr lang="en-US" altLang="zh-CN" sz="3600" b="1" dirty="0" smtClean="0">
+            <a:endParaRPr lang="en-US" altLang="zh-CN" sz="3600" b="1" dirty="0">
               <a:latin typeface="楷体_GB2312" pitchFamily="49" charset="-122"/>
               <a:ea typeface="楷体_GB2312" pitchFamily="49" charset="-122"/>
             </a:endParaRPr>
@@ -12276,7 +12322,7 @@
               <a:buFontTx/>
               <a:buNone/>
             </a:pPr>
-            <a:endParaRPr lang="zh-CN" altLang="en-US" sz="2800" b="1" dirty="0" smtClean="0">
+            <a:endParaRPr lang="zh-CN" altLang="en-US" sz="2800" b="1" dirty="0">
               <a:latin typeface="楷体_GB2312" pitchFamily="49" charset="-122"/>
               <a:ea typeface="楷体_GB2312" pitchFamily="49" charset="-122"/>
             </a:endParaRPr>
@@ -12290,7 +12336,7 @@
               <a:buNone/>
             </a:pPr>
             <a:r>
-              <a:rPr lang="zh-CN" altLang="en-US" sz="2800" b="1" dirty="0" smtClean="0">
+              <a:rPr lang="zh-CN" altLang="en-US" sz="2800" b="1" dirty="0">
                 <a:solidFill>
                   <a:srgbClr val="002060"/>
                 </a:solidFill>
@@ -12299,7 +12345,7 @@
               </a:rPr>
               <a:t>一 本章知识点</a:t>
             </a:r>
-            <a:endParaRPr lang="en-US" altLang="zh-CN" sz="2800" b="1" dirty="0" smtClean="0">
+            <a:endParaRPr lang="en-US" altLang="zh-CN" sz="2800" b="1" dirty="0">
               <a:solidFill>
                 <a:srgbClr val="002060"/>
               </a:solidFill>
@@ -12316,17 +12362,17 @@
               <a:buNone/>
             </a:pPr>
             <a:r>
-              <a:rPr lang="zh-CN" altLang="en-US" sz="2800" b="1" dirty="0" smtClean="0">
+              <a:rPr lang="zh-CN" altLang="en-US" sz="2800" b="1" dirty="0">
                 <a:latin typeface="楷体_GB2312" pitchFamily="49" charset="-122"/>
                 <a:ea typeface="楷体_GB2312" pitchFamily="49" charset="-122"/>
               </a:rPr>
               <a:t>   </a:t>
             </a:r>
             <a:r>
-              <a:rPr lang="zh-CN" altLang="zh-CN" sz="2800" dirty="0" smtClean="0"/>
+              <a:rPr lang="zh-CN" altLang="zh-CN" sz="2800" dirty="0"/>
               <a:t>二分法；</a:t>
             </a:r>
-            <a:endParaRPr lang="en-US" altLang="zh-CN" sz="2800" dirty="0" smtClean="0"/>
+            <a:endParaRPr lang="en-US" altLang="zh-CN" sz="2800" dirty="0"/>
           </a:p>
           <a:p>
             <a:pPr marL="84138" indent="-84138">
@@ -12337,14 +12383,14 @@
               <a:buNone/>
             </a:pPr>
             <a:r>
-              <a:rPr lang="zh-CN" altLang="en-US" sz="2800" dirty="0" smtClean="0"/>
+              <a:rPr lang="zh-CN" altLang="en-US" sz="2800" dirty="0"/>
               <a:t>      </a:t>
             </a:r>
             <a:r>
-              <a:rPr lang="zh-CN" altLang="zh-CN" sz="2800" dirty="0" smtClean="0"/>
+              <a:rPr lang="zh-CN" altLang="zh-CN" sz="2800" dirty="0"/>
               <a:t>迭代法的基本思想，收敛性判定，误差估计，迭代加速方法；</a:t>
             </a:r>
-            <a:endParaRPr lang="en-US" altLang="zh-CN" sz="2800" dirty="0" smtClean="0"/>
+            <a:endParaRPr lang="en-US" altLang="zh-CN" sz="2800" dirty="0"/>
           </a:p>
           <a:p>
             <a:pPr marL="84138" indent="-84138">
@@ -12355,14 +12401,14 @@
               <a:buNone/>
             </a:pPr>
             <a:r>
-              <a:rPr lang="zh-CN" altLang="en-US" sz="2800" dirty="0" smtClean="0"/>
+              <a:rPr lang="zh-CN" altLang="en-US" sz="2800" dirty="0"/>
               <a:t>      </a:t>
             </a:r>
             <a:r>
-              <a:rPr lang="zh-CN" altLang="zh-CN" sz="2800" dirty="0" smtClean="0"/>
+              <a:rPr lang="zh-CN" altLang="zh-CN" sz="2800" dirty="0"/>
               <a:t>牛顿迭代法的基本原理迭代公式构造，收敛性判定，迭代法的收敛阶；</a:t>
             </a:r>
-            <a:endParaRPr lang="en-US" altLang="zh-CN" sz="2800" dirty="0" smtClean="0"/>
+            <a:endParaRPr lang="en-US" altLang="zh-CN" sz="2800" dirty="0"/>
           </a:p>
           <a:p>
             <a:pPr marL="84138" indent="-84138">
@@ -12373,14 +12419,14 @@
               <a:buNone/>
             </a:pPr>
             <a:r>
-              <a:rPr lang="zh-CN" altLang="en-US" sz="2800" dirty="0" smtClean="0"/>
+              <a:rPr lang="zh-CN" altLang="en-US" sz="2800" dirty="0"/>
               <a:t>      </a:t>
             </a:r>
             <a:r>
-              <a:rPr lang="zh-CN" altLang="zh-CN" sz="2800" dirty="0" smtClean="0"/>
+              <a:rPr lang="zh-CN" altLang="zh-CN" sz="2800" dirty="0"/>
               <a:t>牛顿迭代法的变形。</a:t>
             </a:r>
-            <a:endParaRPr lang="zh-CN" altLang="en-US" sz="2800" dirty="0" smtClean="0">
+            <a:endParaRPr lang="zh-CN" altLang="en-US" sz="2800" dirty="0">
               <a:latin typeface="楷体_GB2312" pitchFamily="49" charset="-122"/>
               <a:ea typeface="楷体_GB2312" pitchFamily="49" charset="-122"/>
             </a:endParaRPr>
@@ -12668,7 +12714,7 @@
               <a:buNone/>
             </a:pPr>
             <a:r>
-              <a:rPr lang="zh-CN" altLang="en-US" sz="2800" b="1" dirty="0" smtClean="0">
+              <a:rPr lang="zh-CN" altLang="en-US" sz="2800" b="1" dirty="0">
                 <a:solidFill>
                   <a:srgbClr val="002060"/>
                 </a:solidFill>
@@ -12678,7 +12724,7 @@
               <a:t>二  本章</a:t>
             </a:r>
             <a:r>
-              <a:rPr lang="zh-CN" altLang="zh-CN" sz="2800" b="1" dirty="0" smtClean="0">
+              <a:rPr lang="zh-CN" altLang="zh-CN" sz="2800" b="1" dirty="0">
                 <a:solidFill>
                   <a:srgbClr val="002060"/>
                 </a:solidFill>
@@ -12687,7 +12733,7 @@
               </a:rPr>
               <a:t>知识结构图</a:t>
             </a:r>
-            <a:endParaRPr lang="en-US" altLang="zh-CN" sz="2800" b="1" dirty="0" smtClean="0">
+            <a:endParaRPr lang="en-US" altLang="zh-CN" sz="2800" b="1" dirty="0">
               <a:solidFill>
                 <a:srgbClr val="002060"/>
               </a:solidFill>
@@ -12848,13 +12894,6 @@
   <p:clrMapOvr>
     <a:masterClrMapping/>
   </p:clrMapOvr>
-  <p:timing>
-    <p:tnLst>
-      <p:par>
-        <p:cTn id="1" dur="indefinite" restart="never" nodeType="tmRoot"/>
-      </p:par>
-    </p:tnLst>
-  </p:timing>
 </p:sld>
 </file>
 
@@ -12905,7 +12944,7 @@
               <a:buNone/>
             </a:pPr>
             <a:r>
-              <a:rPr lang="zh-CN" altLang="en-US" sz="2800" b="1" dirty="0" smtClean="0">
+              <a:rPr lang="zh-CN" altLang="en-US" sz="2800" b="1" dirty="0">
                 <a:solidFill>
                   <a:srgbClr val="002060"/>
                 </a:solidFill>
@@ -12914,7 +12953,7 @@
               <a:t>三 </a:t>
             </a:r>
             <a:r>
-              <a:rPr lang="zh-CN" altLang="zh-CN" sz="2800" b="1" dirty="0" smtClean="0">
+              <a:rPr lang="zh-CN" altLang="zh-CN" sz="2800" b="1" dirty="0">
                 <a:solidFill>
                   <a:srgbClr val="002060"/>
                 </a:solidFill>
@@ -12922,7 +12961,7 @@
               </a:rPr>
               <a:t>典型例题</a:t>
             </a:r>
-            <a:endParaRPr lang="en-US" altLang="zh-CN" sz="2800" b="1" dirty="0" smtClean="0">
+            <a:endParaRPr lang="en-US" altLang="zh-CN" sz="2800" b="1" dirty="0">
               <a:solidFill>
                 <a:srgbClr val="002060"/>
               </a:solidFill>
@@ -13661,17 +13700,17 @@
               <a:buNone/>
             </a:pPr>
             <a:r>
-              <a:rPr lang="zh-CN" altLang="en-US" sz="3600" b="1" dirty="0" smtClean="0">
+              <a:rPr lang="zh-CN" altLang="en-US" sz="3600" b="1" dirty="0">
                 <a:latin typeface="楷体_GB2312" pitchFamily="49" charset="-122"/>
                 <a:ea typeface="楷体_GB2312" pitchFamily="49" charset="-122"/>
               </a:rPr>
               <a:t>第三章  </a:t>
             </a:r>
             <a:r>
-              <a:rPr lang="zh-CN" altLang="zh-CN" sz="3600" b="1" dirty="0" smtClean="0"/>
+              <a:rPr lang="zh-CN" altLang="zh-CN" sz="3600" b="1" dirty="0"/>
               <a:t>线性代数方程组的解法</a:t>
             </a:r>
-            <a:endParaRPr lang="en-US" altLang="zh-CN" sz="3600" b="1" dirty="0" smtClean="0">
+            <a:endParaRPr lang="en-US" altLang="zh-CN" sz="3600" b="1" dirty="0">
               <a:latin typeface="楷体_GB2312" pitchFamily="49" charset="-122"/>
               <a:ea typeface="楷体_GB2312" pitchFamily="49" charset="-122"/>
             </a:endParaRPr>
@@ -13688,7 +13727,7 @@
               <a:buNone/>
             </a:pPr>
             <a:r>
-              <a:rPr lang="zh-CN" altLang="en-US" sz="2800" b="1" dirty="0" smtClean="0">
+              <a:rPr lang="zh-CN" altLang="en-US" sz="2800" b="1" dirty="0">
                 <a:solidFill>
                   <a:srgbClr val="002060"/>
                 </a:solidFill>
@@ -13697,7 +13736,7 @@
               </a:rPr>
               <a:t>一 本章知识点</a:t>
             </a:r>
-            <a:endParaRPr lang="en-US" altLang="zh-CN" sz="2800" b="1" dirty="0" smtClean="0">
+            <a:endParaRPr lang="en-US" altLang="zh-CN" sz="2800" b="1" dirty="0">
               <a:solidFill>
                 <a:srgbClr val="002060"/>
               </a:solidFill>
@@ -13707,36 +13746,36 @@
           </a:p>
           <a:p>
             <a:r>
-              <a:rPr lang="zh-CN" altLang="zh-CN" sz="2800" b="1" dirty="0" smtClean="0"/>
+              <a:rPr lang="zh-CN" altLang="zh-CN" sz="2800" b="1" dirty="0"/>
               <a:t>直接法：</a:t>
             </a:r>
             <a:r>
-              <a:rPr lang="zh-CN" altLang="zh-CN" sz="2800" dirty="0" smtClean="0"/>
+              <a:rPr lang="zh-CN" altLang="zh-CN" sz="2800" dirty="0"/>
               <a:t>高斯消去法，列主元素消去法，全主元消去法，主元素消去法的应用，矩阵三角分解法（直接三角分解法，平方根法），追赶法。</a:t>
             </a:r>
           </a:p>
           <a:p>
             <a:r>
-              <a:rPr lang="zh-CN" altLang="zh-CN" sz="2800" b="1" dirty="0" smtClean="0"/>
+              <a:rPr lang="zh-CN" altLang="zh-CN" sz="2800" b="1" dirty="0"/>
               <a:t>迭代法：</a:t>
             </a:r>
             <a:r>
-              <a:rPr lang="zh-CN" altLang="en-US" sz="2800" dirty="0" smtClean="0"/>
+              <a:rPr lang="zh-CN" altLang="en-US" sz="2800" dirty="0"/>
               <a:t>矩阵及向量的范数，</a:t>
             </a:r>
             <a:r>
-              <a:rPr lang="zh-CN" altLang="zh-CN" sz="2800" dirty="0" smtClean="0"/>
+              <a:rPr lang="zh-CN" altLang="zh-CN" sz="2800" dirty="0"/>
               <a:t>简单迭代法的基本概念，雅可比迭代法构造及收敛性判定，赛德尔迭代法的构造及收敛性判定，</a:t>
             </a:r>
             <a:r>
-              <a:rPr lang="en-US" altLang="zh-CN" sz="2800" dirty="0" smtClean="0"/>
+              <a:rPr lang="en-US" altLang="zh-CN" sz="2800" dirty="0"/>
               <a:t>SOR</a:t>
             </a:r>
             <a:r>
-              <a:rPr lang="zh-CN" altLang="zh-CN" sz="2800" dirty="0" smtClean="0"/>
+              <a:rPr lang="zh-CN" altLang="zh-CN" sz="2800" dirty="0"/>
               <a:t>方法的构造及收敛性判定</a:t>
             </a:r>
-            <a:endParaRPr lang="en-US" altLang="zh-CN" sz="2800" dirty="0" smtClean="0"/>
+            <a:endParaRPr lang="en-US" altLang="zh-CN" sz="2800" dirty="0"/>
           </a:p>
         </p:txBody>
       </p:sp>
@@ -13923,7 +13962,7 @@
               <a:buNone/>
             </a:pPr>
             <a:r>
-              <a:rPr lang="zh-CN" altLang="en-US" sz="2800" b="1" dirty="0" smtClean="0">
+              <a:rPr lang="zh-CN" altLang="en-US" sz="2800" b="1" dirty="0">
                 <a:solidFill>
                   <a:srgbClr val="002060"/>
                 </a:solidFill>
@@ -13933,7 +13972,7 @@
               <a:t>二  本章</a:t>
             </a:r>
             <a:r>
-              <a:rPr lang="zh-CN" altLang="zh-CN" sz="2800" b="1" dirty="0" smtClean="0">
+              <a:rPr lang="zh-CN" altLang="zh-CN" sz="2800" b="1" dirty="0">
                 <a:solidFill>
                   <a:srgbClr val="002060"/>
                 </a:solidFill>
@@ -13942,7 +13981,7 @@
               </a:rPr>
               <a:t>知识结构图</a:t>
             </a:r>
-            <a:endParaRPr lang="en-US" altLang="zh-CN" sz="2800" b="1" dirty="0" smtClean="0">
+            <a:endParaRPr lang="en-US" altLang="zh-CN" sz="2800" b="1" dirty="0">
               <a:solidFill>
                 <a:srgbClr val="002060"/>
               </a:solidFill>
@@ -14103,13 +14142,6 @@
   <p:clrMapOvr>
     <a:masterClrMapping/>
   </p:clrMapOvr>
-  <p:timing>
-    <p:tnLst>
-      <p:par>
-        <p:cTn id="1" dur="indefinite" restart="never" nodeType="tmRoot"/>
-      </p:par>
-    </p:tnLst>
-  </p:timing>
 </p:sld>
 </file>
 
